--- a/宣道詩/(宣道詩39)十字架十字架.pptx
+++ b/宣道詩/(宣道詩39)十字架十字架.pptx
@@ -5,16 +5,17 @@
     <p:sldMasterId id="2147483672" r:id="rId1"/>
   </p:sldMasterIdLst>
   <p:sldIdLst>
-    <p:sldId id="256" r:id="rId2"/>
-    <p:sldId id="257" r:id="rId3"/>
-    <p:sldId id="258" r:id="rId4"/>
-    <p:sldId id="259" r:id="rId5"/>
-    <p:sldId id="260" r:id="rId6"/>
-    <p:sldId id="261" r:id="rId7"/>
-    <p:sldId id="262" r:id="rId8"/>
-    <p:sldId id="263" r:id="rId9"/>
+    <p:sldId id="264" r:id="rId2"/>
+    <p:sldId id="265" r:id="rId3"/>
+    <p:sldId id="266" r:id="rId4"/>
+    <p:sldId id="267" r:id="rId5"/>
+    <p:sldId id="268" r:id="rId6"/>
+    <p:sldId id="269" r:id="rId7"/>
+    <p:sldId id="270" r:id="rId8"/>
+    <p:sldId id="271" r:id="rId9"/>
+    <p:sldId id="272" r:id="rId10"/>
   </p:sldIdLst>
-  <p:sldSz cx="9144000" cy="6858000" type="screen4x3"/>
+  <p:sldSz cx="12192000" cy="6858000"/>
   <p:notesSz cx="6858000" cy="9144000"/>
   <p:defaultTextStyle>
     <a:defPPr>
@@ -111,6 +112,22 @@
       </a:defRPr>
     </a:lvl9pPr>
   </p:defaultTextStyle>
+  <p:extLst>
+    <p:ext uri="{EFAFB233-063F-42B5-8137-9DF3F51BA10A}">
+      <p15:sldGuideLst xmlns:p15="http://schemas.microsoft.com/office/powerpoint/2012/main">
+        <p15:guide id="1" orient="horz" pos="2160" userDrawn="1">
+          <p15:clr>
+            <a:srgbClr val="A4A3A4"/>
+          </p15:clr>
+        </p15:guide>
+        <p15:guide id="2" pos="3840" userDrawn="1">
+          <p15:clr>
+            <a:srgbClr val="A4A3A4"/>
+          </p15:clr>
+        </p15:guide>
+      </p15:sldGuideLst>
+    </p:ext>
+  </p:extLst>
 </p:presentation>
 </file>
 
@@ -143,8 +160,8 @@
         </p:nvSpPr>
         <p:spPr>
           <a:xfrm>
-            <a:off x="685800" y="2130425"/>
-            <a:ext cx="7772400" cy="1470025"/>
+            <a:off x="914400" y="2130426"/>
+            <a:ext cx="10363200" cy="1470025"/>
           </a:xfrm>
         </p:spPr>
         <p:txBody>
@@ -171,8 +188,8 @@
         </p:nvSpPr>
         <p:spPr>
           <a:xfrm>
-            <a:off x="1371600" y="3886200"/>
-            <a:ext cx="6400800" cy="1752600"/>
+            <a:off x="1828800" y="3886200"/>
+            <a:ext cx="8534400" cy="1752600"/>
           </a:xfrm>
         </p:spPr>
         <p:txBody>
@@ -296,7 +313,7 @@
             <a:fld id="{200A1BC4-8F0A-4BE9-BEFD-CD9EAFDB1D8C}" type="datetimeFigureOut">
               <a:rPr lang="zh-TW" altLang="en-US" smtClean="0"/>
               <a:pPr/>
-              <a:t>2017/9/9</a:t>
+              <a:t>2021/3/19</a:t>
             </a:fld>
             <a:endParaRPr lang="zh-TW" altLang="en-US"/>
           </a:p>
@@ -463,7 +480,7 @@
             <a:fld id="{200A1BC4-8F0A-4BE9-BEFD-CD9EAFDB1D8C}" type="datetimeFigureOut">
               <a:rPr lang="zh-TW" altLang="en-US" smtClean="0"/>
               <a:pPr/>
-              <a:t>2017/9/9</a:t>
+              <a:t>2021/3/19</a:t>
             </a:fld>
             <a:endParaRPr lang="zh-TW" altLang="en-US"/>
           </a:p>
@@ -549,8 +566,8 @@
         </p:nvSpPr>
         <p:spPr>
           <a:xfrm>
-            <a:off x="6629400" y="274638"/>
-            <a:ext cx="2057400" cy="5851525"/>
+            <a:off x="8839200" y="274639"/>
+            <a:ext cx="2743200" cy="5851525"/>
           </a:xfrm>
         </p:spPr>
         <p:txBody>
@@ -577,8 +594,8 @@
         </p:nvSpPr>
         <p:spPr>
           <a:xfrm>
-            <a:off x="457200" y="274638"/>
-            <a:ext cx="6019800" cy="5851525"/>
+            <a:off x="609600" y="274639"/>
+            <a:ext cx="8026400" cy="5851525"/>
           </a:xfrm>
         </p:spPr>
         <p:txBody>
@@ -640,7 +657,7 @@
             <a:fld id="{200A1BC4-8F0A-4BE9-BEFD-CD9EAFDB1D8C}" type="datetimeFigureOut">
               <a:rPr lang="zh-TW" altLang="en-US" smtClean="0"/>
               <a:pPr/>
-              <a:t>2017/9/9</a:t>
+              <a:t>2021/3/19</a:t>
             </a:fld>
             <a:endParaRPr lang="zh-TW" altLang="en-US"/>
           </a:p>
@@ -807,7 +824,7 @@
             <a:fld id="{200A1BC4-8F0A-4BE9-BEFD-CD9EAFDB1D8C}" type="datetimeFigureOut">
               <a:rPr lang="zh-TW" altLang="en-US" smtClean="0"/>
               <a:pPr/>
-              <a:t>2017/9/9</a:t>
+              <a:t>2021/3/19</a:t>
             </a:fld>
             <a:endParaRPr lang="zh-TW" altLang="en-US"/>
           </a:p>
@@ -893,8 +910,8 @@
         </p:nvSpPr>
         <p:spPr>
           <a:xfrm>
-            <a:off x="722313" y="4406900"/>
-            <a:ext cx="7772400" cy="1362075"/>
+            <a:off x="963084" y="4406901"/>
+            <a:ext cx="10363200" cy="1362075"/>
           </a:xfrm>
         </p:spPr>
         <p:txBody>
@@ -925,8 +942,8 @@
         </p:nvSpPr>
         <p:spPr>
           <a:xfrm>
-            <a:off x="722313" y="2906713"/>
-            <a:ext cx="7772400" cy="1500187"/>
+            <a:off x="963084" y="2906713"/>
+            <a:ext cx="10363200" cy="1500187"/>
           </a:xfrm>
         </p:spPr>
         <p:txBody>
@@ -1050,7 +1067,7 @@
             <a:fld id="{200A1BC4-8F0A-4BE9-BEFD-CD9EAFDB1D8C}" type="datetimeFigureOut">
               <a:rPr lang="zh-TW" altLang="en-US" smtClean="0"/>
               <a:pPr/>
-              <a:t>2017/9/9</a:t>
+              <a:t>2021/3/19</a:t>
             </a:fld>
             <a:endParaRPr lang="zh-TW" altLang="en-US"/>
           </a:p>
@@ -1159,8 +1176,8 @@
         </p:nvSpPr>
         <p:spPr>
           <a:xfrm>
-            <a:off x="457200" y="1600200"/>
-            <a:ext cx="4038600" cy="4525963"/>
+            <a:off x="609600" y="1600201"/>
+            <a:ext cx="5384800" cy="4525963"/>
           </a:xfrm>
         </p:spPr>
         <p:txBody>
@@ -1244,8 +1261,8 @@
         </p:nvSpPr>
         <p:spPr>
           <a:xfrm>
-            <a:off x="4648200" y="1600200"/>
-            <a:ext cx="4038600" cy="4525963"/>
+            <a:off x="6197600" y="1600201"/>
+            <a:ext cx="5384800" cy="4525963"/>
           </a:xfrm>
         </p:spPr>
         <p:txBody>
@@ -1335,7 +1352,7 @@
             <a:fld id="{200A1BC4-8F0A-4BE9-BEFD-CD9EAFDB1D8C}" type="datetimeFigureOut">
               <a:rPr lang="zh-TW" altLang="en-US" smtClean="0"/>
               <a:pPr/>
-              <a:t>2017/9/9</a:t>
+              <a:t>2021/3/19</a:t>
             </a:fld>
             <a:endParaRPr lang="zh-TW" altLang="en-US"/>
           </a:p>
@@ -1448,8 +1465,8 @@
         </p:nvSpPr>
         <p:spPr>
           <a:xfrm>
-            <a:off x="457200" y="1535113"/>
-            <a:ext cx="4040188" cy="639762"/>
+            <a:off x="609600" y="1535113"/>
+            <a:ext cx="5386917" cy="639762"/>
           </a:xfrm>
         </p:spPr>
         <p:txBody>
@@ -1513,8 +1530,8 @@
         </p:nvSpPr>
         <p:spPr>
           <a:xfrm>
-            <a:off x="457200" y="2174875"/>
-            <a:ext cx="4040188" cy="3951288"/>
+            <a:off x="609600" y="2174875"/>
+            <a:ext cx="5386917" cy="3951288"/>
           </a:xfrm>
         </p:spPr>
         <p:txBody>
@@ -1598,8 +1615,8 @@
         </p:nvSpPr>
         <p:spPr>
           <a:xfrm>
-            <a:off x="4645025" y="1535113"/>
-            <a:ext cx="4041775" cy="639762"/>
+            <a:off x="6193368" y="1535113"/>
+            <a:ext cx="5389033" cy="639762"/>
           </a:xfrm>
         </p:spPr>
         <p:txBody>
@@ -1663,8 +1680,8 @@
         </p:nvSpPr>
         <p:spPr>
           <a:xfrm>
-            <a:off x="4645025" y="2174875"/>
-            <a:ext cx="4041775" cy="3951288"/>
+            <a:off x="6193368" y="2174875"/>
+            <a:ext cx="5389033" cy="3951288"/>
           </a:xfrm>
         </p:spPr>
         <p:txBody>
@@ -1754,7 +1771,7 @@
             <a:fld id="{200A1BC4-8F0A-4BE9-BEFD-CD9EAFDB1D8C}" type="datetimeFigureOut">
               <a:rPr lang="zh-TW" altLang="en-US" smtClean="0"/>
               <a:pPr/>
-              <a:t>2017/9/9</a:t>
+              <a:t>2021/3/19</a:t>
             </a:fld>
             <a:endParaRPr lang="zh-TW" altLang="en-US"/>
           </a:p>
@@ -1869,7 +1886,7 @@
             <a:fld id="{200A1BC4-8F0A-4BE9-BEFD-CD9EAFDB1D8C}" type="datetimeFigureOut">
               <a:rPr lang="zh-TW" altLang="en-US" smtClean="0"/>
               <a:pPr/>
-              <a:t>2017/9/9</a:t>
+              <a:t>2021/3/19</a:t>
             </a:fld>
             <a:endParaRPr lang="zh-TW" altLang="en-US"/>
           </a:p>
@@ -1961,7 +1978,7 @@
             <a:fld id="{200A1BC4-8F0A-4BE9-BEFD-CD9EAFDB1D8C}" type="datetimeFigureOut">
               <a:rPr lang="zh-TW" altLang="en-US" smtClean="0"/>
               <a:pPr/>
-              <a:t>2017/9/9</a:t>
+              <a:t>2021/3/19</a:t>
             </a:fld>
             <a:endParaRPr lang="zh-TW" altLang="en-US"/>
           </a:p>
@@ -2047,8 +2064,8 @@
         </p:nvSpPr>
         <p:spPr>
           <a:xfrm>
-            <a:off x="457200" y="273050"/>
-            <a:ext cx="3008313" cy="1162050"/>
+            <a:off x="609601" y="273050"/>
+            <a:ext cx="4011084" cy="1162050"/>
           </a:xfrm>
         </p:spPr>
         <p:txBody>
@@ -2079,8 +2096,8 @@
         </p:nvSpPr>
         <p:spPr>
           <a:xfrm>
-            <a:off x="3575050" y="273050"/>
-            <a:ext cx="5111750" cy="5853113"/>
+            <a:off x="4766733" y="273051"/>
+            <a:ext cx="6815667" cy="5853113"/>
           </a:xfrm>
         </p:spPr>
         <p:txBody>
@@ -2164,8 +2181,8 @@
         </p:nvSpPr>
         <p:spPr>
           <a:xfrm>
-            <a:off x="457200" y="1435100"/>
-            <a:ext cx="3008313" cy="4691063"/>
+            <a:off x="609601" y="1435101"/>
+            <a:ext cx="4011084" cy="4691063"/>
           </a:xfrm>
         </p:spPr>
         <p:txBody>
@@ -2235,7 +2252,7 @@
             <a:fld id="{200A1BC4-8F0A-4BE9-BEFD-CD9EAFDB1D8C}" type="datetimeFigureOut">
               <a:rPr lang="zh-TW" altLang="en-US" smtClean="0"/>
               <a:pPr/>
-              <a:t>2017/9/9</a:t>
+              <a:t>2021/3/19</a:t>
             </a:fld>
             <a:endParaRPr lang="zh-TW" altLang="en-US"/>
           </a:p>
@@ -2321,8 +2338,8 @@
         </p:nvSpPr>
         <p:spPr>
           <a:xfrm>
-            <a:off x="1792288" y="4800600"/>
-            <a:ext cx="5486400" cy="566738"/>
+            <a:off x="2389717" y="4800600"/>
+            <a:ext cx="7315200" cy="566738"/>
           </a:xfrm>
         </p:spPr>
         <p:txBody>
@@ -2353,8 +2370,8 @@
         </p:nvSpPr>
         <p:spPr>
           <a:xfrm>
-            <a:off x="1792288" y="612775"/>
-            <a:ext cx="5486400" cy="4114800"/>
+            <a:off x="2389717" y="612775"/>
+            <a:ext cx="7315200" cy="4114800"/>
           </a:xfrm>
         </p:spPr>
         <p:txBody>
@@ -2418,8 +2435,8 @@
         </p:nvSpPr>
         <p:spPr>
           <a:xfrm>
-            <a:off x="1792288" y="5367338"/>
-            <a:ext cx="5486400" cy="804862"/>
+            <a:off x="2389717" y="5367338"/>
+            <a:ext cx="7315200" cy="804862"/>
           </a:xfrm>
         </p:spPr>
         <p:txBody>
@@ -2489,7 +2506,7 @@
             <a:fld id="{200A1BC4-8F0A-4BE9-BEFD-CD9EAFDB1D8C}" type="datetimeFigureOut">
               <a:rPr lang="zh-TW" altLang="en-US" smtClean="0"/>
               <a:pPr/>
-              <a:t>2017/9/9</a:t>
+              <a:t>2021/3/19</a:t>
             </a:fld>
             <a:endParaRPr lang="zh-TW" altLang="en-US"/>
           </a:p>
@@ -2585,8 +2602,8 @@
         </p:nvSpPr>
         <p:spPr>
           <a:xfrm>
-            <a:off x="457200" y="274638"/>
-            <a:ext cx="8229600" cy="1143000"/>
+            <a:off x="609600" y="274638"/>
+            <a:ext cx="10972800" cy="1143000"/>
           </a:xfrm>
           <a:prstGeom prst="rect">
             <a:avLst/>
@@ -2618,8 +2635,8 @@
         </p:nvSpPr>
         <p:spPr>
           <a:xfrm>
-            <a:off x="457200" y="1600200"/>
-            <a:ext cx="8229600" cy="4525963"/>
+            <a:off x="609600" y="1600201"/>
+            <a:ext cx="10972800" cy="4525963"/>
           </a:xfrm>
           <a:prstGeom prst="rect">
             <a:avLst/>
@@ -2680,8 +2697,8 @@
         </p:nvSpPr>
         <p:spPr>
           <a:xfrm>
-            <a:off x="457200" y="6356350"/>
-            <a:ext cx="2133600" cy="365125"/>
+            <a:off x="609600" y="6356351"/>
+            <a:ext cx="2844800" cy="365125"/>
           </a:xfrm>
           <a:prstGeom prst="rect">
             <a:avLst/>
@@ -2704,7 +2721,7 @@
             <a:fld id="{200A1BC4-8F0A-4BE9-BEFD-CD9EAFDB1D8C}" type="datetimeFigureOut">
               <a:rPr lang="zh-TW" altLang="en-US" smtClean="0"/>
               <a:pPr/>
-              <a:t>2017/9/9</a:t>
+              <a:t>2021/3/19</a:t>
             </a:fld>
             <a:endParaRPr lang="zh-TW" altLang="en-US"/>
           </a:p>
@@ -2722,8 +2739,8 @@
         </p:nvSpPr>
         <p:spPr>
           <a:xfrm>
-            <a:off x="3124200" y="6356350"/>
-            <a:ext cx="2895600" cy="365125"/>
+            <a:off x="4165600" y="6356351"/>
+            <a:ext cx="3860800" cy="365125"/>
           </a:xfrm>
           <a:prstGeom prst="rect">
             <a:avLst/>
@@ -2759,8 +2776,8 @@
         </p:nvSpPr>
         <p:spPr>
           <a:xfrm>
-            <a:off x="6553200" y="6356350"/>
-            <a:ext cx="2133600" cy="365125"/>
+            <a:off x="8737600" y="6356351"/>
+            <a:ext cx="2844800" cy="365125"/>
           </a:xfrm>
           <a:prstGeom prst="rect">
             <a:avLst/>
@@ -3085,107 +3102,139 @@
             <p:ph type="title"/>
           </p:nvPr>
         </p:nvSpPr>
-        <p:spPr/>
-        <p:txBody>
-          <a:bodyPr/>
-          <a:lstStyle/>
-          <a:p>
-            <a:r>
-              <a:rPr lang="zh-TW" altLang="en-US" b="1" dirty="0">
+        <p:spPr>
+          <a:xfrm>
+            <a:off x="0" y="2660915"/>
+            <a:ext cx="12192000" cy="1143000"/>
+          </a:xfrm>
+        </p:spPr>
+        <p:txBody>
+          <a:bodyPr>
+            <a:noAutofit/>
+          </a:bodyPr>
+          <a:lstStyle/>
+          <a:p>
+            <a:r>
+              <a:rPr lang="zh-CN" altLang="en-US" sz="5333" b="1" u="sng" dirty="0">
                 <a:solidFill>
                   <a:srgbClr val="000066"/>
                 </a:solidFill>
+                <a:effectLst>
+                  <a:outerShdw blurRad="38100" dist="38100" dir="2700000" algn="tl">
+                    <a:srgbClr val="000000">
+                      <a:alpha val="43137"/>
+                    </a:srgbClr>
+                  </a:outerShdw>
+                </a:effectLst>
                 <a:latin typeface="微軟正黑體" pitchFamily="34" charset="-120"/>
                 <a:ea typeface="微軟正黑體" pitchFamily="34" charset="-120"/>
               </a:rPr>
-              <a:t>十字架十字架</a:t>
-            </a:r>
-          </a:p>
-        </p:txBody>
-      </p:sp>
-      <p:sp>
-        <p:nvSpPr>
-          <p:cNvPr id="5" name="內容版面配置區 4"/>
-          <p:cNvSpPr>
-            <a:spLocks noGrp="1"/>
-          </p:cNvSpPr>
-          <p:nvPr>
-            <p:ph idx="1"/>
-          </p:nvPr>
-        </p:nvSpPr>
-        <p:spPr/>
-        <p:txBody>
-          <a:bodyPr>
-            <a:normAutofit/>
-          </a:bodyPr>
-          <a:lstStyle/>
-          <a:p>
-            <a:pPr lvl="0" algn="ctr">
-              <a:buNone/>
-            </a:pPr>
-            <a:r>
-              <a:rPr lang="zh-TW" altLang="en-US" sz="5400" b="1" dirty="0">
+              <a:t>宣道詩 </a:t>
+            </a:r>
+            <a:r>
+              <a:rPr lang="en-US" altLang="zh-CN" sz="5333" b="1" u="sng" dirty="0">
                 <a:solidFill>
                   <a:srgbClr val="000066"/>
                 </a:solidFill>
+                <a:effectLst>
+                  <a:outerShdw blurRad="38100" dist="38100" dir="2700000" algn="tl">
+                    <a:srgbClr val="000000">
+                      <a:alpha val="43137"/>
+                    </a:srgbClr>
+                  </a:outerShdw>
+                </a:effectLst>
                 <a:latin typeface="微軟正黑體" pitchFamily="34" charset="-120"/>
                 <a:ea typeface="微軟正黑體" pitchFamily="34" charset="-120"/>
               </a:rPr>
-              <a:t>求主使我靠十架</a:t>
-            </a:r>
-          </a:p>
-          <a:p>
-            <a:pPr algn="ctr">
-              <a:buNone/>
-            </a:pPr>
-            <a:r>
-              <a:rPr lang="zh-TW" altLang="en-US" sz="5400" b="1" dirty="0">
-                <a:solidFill>
-                  <a:srgbClr val="000066"/>
-                </a:solidFill>
+              <a:t>39</a:t>
+            </a:r>
+            <a:r>
+              <a:rPr lang="en-US" altLang="zh-CN" sz="7200" b="1" i="1" dirty="0">
+                <a:solidFill>
+                  <a:srgbClr val="660033"/>
+                </a:solidFill>
+                <a:effectLst>
+                  <a:outerShdw blurRad="38100" dist="38100" dir="2700000" algn="tl">
+                    <a:srgbClr val="000000">
+                      <a:alpha val="43137"/>
+                    </a:srgbClr>
+                  </a:outerShdw>
+                </a:effectLst>
                 <a:latin typeface="微軟正黑體" pitchFamily="34" charset="-120"/>
                 <a:ea typeface="微軟正黑體" pitchFamily="34" charset="-120"/>
               </a:rPr>
-              <a:t>在彼有生命水</a:t>
-            </a:r>
-          </a:p>
-          <a:p>
-            <a:pPr algn="ctr">
-              <a:buNone/>
-            </a:pPr>
-            <a:r>
-              <a:rPr lang="zh-TW" altLang="en-US" sz="5400" b="1" dirty="0">
-                <a:solidFill>
-                  <a:srgbClr val="000066"/>
-                </a:solidFill>
+              <a:t/>
+            </a:r>
+            <a:br>
+              <a:rPr lang="en-US" altLang="zh-CN" sz="7200" b="1" i="1" dirty="0">
+                <a:solidFill>
+                  <a:srgbClr val="660033"/>
+                </a:solidFill>
+                <a:effectLst>
+                  <a:outerShdw blurRad="38100" dist="38100" dir="2700000" algn="tl">
+                    <a:srgbClr val="000000">
+                      <a:alpha val="43137"/>
+                    </a:srgbClr>
+                  </a:outerShdw>
+                </a:effectLst>
                 <a:latin typeface="微軟正黑體" pitchFamily="34" charset="-120"/>
                 <a:ea typeface="微軟正黑體" pitchFamily="34" charset="-120"/>
               </a:rPr>
-              <a:t>寶血由十架流下</a:t>
-            </a:r>
-          </a:p>
-          <a:p>
-            <a:pPr algn="ctr">
-              <a:buNone/>
-            </a:pPr>
-            <a:r>
-              <a:rPr lang="zh-TW" altLang="en-US" sz="5400" b="1" dirty="0">
-                <a:solidFill>
-                  <a:srgbClr val="000066"/>
-                </a:solidFill>
+            </a:br>
+            <a:r>
+              <a:rPr lang="zh-TW" altLang="en-US" sz="8000" b="1" dirty="0">
+                <a:solidFill>
+                  <a:srgbClr val="660033"/>
+                </a:solidFill>
+                <a:effectLst>
+                  <a:outerShdw blurRad="38100" dist="38100" dir="2700000" algn="tl">
+                    <a:srgbClr val="000000">
+                      <a:alpha val="43137"/>
+                    </a:srgbClr>
+                  </a:outerShdw>
+                </a:effectLst>
                 <a:latin typeface="微軟正黑體" pitchFamily="34" charset="-120"/>
                 <a:ea typeface="微軟正黑體" pitchFamily="34" charset="-120"/>
               </a:rPr>
-              <a:t>白白賜人洗罪</a:t>
+              <a:t>十</a:t>
+            </a:r>
+            <a:r>
+              <a:rPr lang="zh-TW" altLang="en-US" sz="8000" b="1" dirty="0">
+                <a:solidFill>
+                  <a:srgbClr val="660033"/>
+                </a:solidFill>
+                <a:effectLst>
+                  <a:outerShdw blurRad="38100" dist="38100" dir="2700000" algn="tl">
+                    <a:srgbClr val="000000">
+                      <a:alpha val="43137"/>
+                    </a:srgbClr>
+                  </a:outerShdw>
+                </a:effectLst>
+                <a:latin typeface="微軟正黑體" pitchFamily="34" charset="-120"/>
+                <a:ea typeface="微軟正黑體" pitchFamily="34" charset="-120"/>
+              </a:rPr>
+              <a:t>字架十字架</a:t>
             </a:r>
           </a:p>
         </p:txBody>
       </p:sp>
     </p:spTree>
+    <p:extLst>
+      <p:ext uri="{BB962C8B-B14F-4D97-AF65-F5344CB8AC3E}">
+        <p14:creationId xmlns:p14="http://schemas.microsoft.com/office/powerpoint/2010/main" val="4041790587"/>
+      </p:ext>
+    </p:extLst>
   </p:cSld>
   <p:clrMapOvr>
     <a:masterClrMapping/>
   </p:clrMapOvr>
+  <p:timing>
+    <p:tnLst>
+      <p:par>
+        <p:cTn id="1" dur="indefinite" restart="never" nodeType="tmRoot"/>
+      </p:par>
+    </p:tnLst>
+  </p:timing>
 </p:sld>
 </file>
 
@@ -3208,115 +3257,120 @@
       </p:grpSpPr>
       <p:sp>
         <p:nvSpPr>
-          <p:cNvPr id="4" name="標題 3"/>
-          <p:cNvSpPr>
-            <a:spLocks noGrp="1"/>
-          </p:cNvSpPr>
-          <p:nvPr>
-            <p:ph type="title"/>
-          </p:nvPr>
-        </p:nvSpPr>
-        <p:spPr/>
-        <p:txBody>
-          <a:bodyPr/>
-          <a:lstStyle/>
-          <a:p>
-            <a:r>
-              <a:rPr lang="zh-TW" altLang="en-US" b="1" dirty="0">
-                <a:solidFill>
-                  <a:srgbClr val="000066"/>
+          <p:cNvPr id="5" name="內容版面配置區 4"/>
+          <p:cNvSpPr>
+            <a:spLocks noGrp="1"/>
+          </p:cNvSpPr>
+          <p:nvPr>
+            <p:ph idx="1"/>
+          </p:nvPr>
+        </p:nvSpPr>
+        <p:spPr>
+          <a:xfrm>
+            <a:off x="0" y="2084851"/>
+            <a:ext cx="12192000" cy="2404863"/>
+          </a:xfrm>
+        </p:spPr>
+        <p:txBody>
+          <a:bodyPr anchor="ctr">
+            <a:normAutofit/>
+          </a:bodyPr>
+          <a:lstStyle/>
+          <a:p>
+            <a:pPr lvl="0" algn="ctr">
+              <a:buNone/>
+            </a:pPr>
+            <a:r>
+              <a:rPr lang="zh-TW" altLang="en-US" sz="6400" b="1" dirty="0">
+                <a:solidFill>
+                  <a:srgbClr val="660033"/>
                 </a:solidFill>
                 <a:latin typeface="微軟正黑體" pitchFamily="34" charset="-120"/>
                 <a:ea typeface="微軟正黑體" pitchFamily="34" charset="-120"/>
               </a:rPr>
-              <a:t>十字架十字架</a:t>
-            </a:r>
-          </a:p>
-        </p:txBody>
-      </p:sp>
-      <p:sp>
-        <p:nvSpPr>
-          <p:cNvPr id="5" name="內容版面配置區 4"/>
-          <p:cNvSpPr>
-            <a:spLocks noGrp="1"/>
-          </p:cNvSpPr>
-          <p:nvPr>
-            <p:ph idx="1"/>
-          </p:nvPr>
-        </p:nvSpPr>
-        <p:spPr/>
-        <p:txBody>
-          <a:bodyPr>
-            <a:normAutofit/>
-          </a:bodyPr>
-          <a:lstStyle/>
+              <a:t>求主使我靠十架  在彼有生命水</a:t>
+            </a:r>
+            <a:endParaRPr lang="en-US" altLang="zh-TW" sz="6400" b="1" dirty="0">
+              <a:solidFill>
+                <a:srgbClr val="660033"/>
+              </a:solidFill>
+              <a:latin typeface="微軟正黑體" pitchFamily="34" charset="-120"/>
+              <a:ea typeface="微軟正黑體" pitchFamily="34" charset="-120"/>
+            </a:endParaRPr>
+          </a:p>
           <a:p>
             <a:pPr algn="ctr">
               <a:buNone/>
             </a:pPr>
             <a:r>
-              <a:rPr lang="zh-TW" altLang="en-US" sz="5400" b="1" dirty="0">
-                <a:solidFill>
-                  <a:srgbClr val="000066"/>
+              <a:rPr lang="zh-TW" altLang="en-US" sz="6400" b="1" dirty="0">
+                <a:solidFill>
+                  <a:srgbClr val="660033"/>
                 </a:solidFill>
                 <a:latin typeface="微軟正黑體" pitchFamily="34" charset="-120"/>
                 <a:ea typeface="微軟正黑體" pitchFamily="34" charset="-120"/>
               </a:rPr>
-              <a:t>十字架十字架</a:t>
-            </a:r>
-          </a:p>
-          <a:p>
-            <a:pPr algn="ctr">
-              <a:buNone/>
-            </a:pPr>
-            <a:r>
-              <a:rPr lang="zh-TW" altLang="en-US" sz="5400" b="1" dirty="0">
-                <a:solidFill>
-                  <a:srgbClr val="000066"/>
-                </a:solidFill>
-                <a:latin typeface="微軟正黑體" pitchFamily="34" charset="-120"/>
-                <a:ea typeface="微軟正黑體" pitchFamily="34" charset="-120"/>
+              <a:t>寶血由十架流下  白白賜人洗罪</a:t>
+            </a:r>
+          </a:p>
+        </p:txBody>
+      </p:sp>
+      <p:sp>
+        <p:nvSpPr>
+          <p:cNvPr id="3" name="TextBox 2"/>
+          <p:cNvSpPr txBox="1"/>
+          <p:nvPr/>
+        </p:nvSpPr>
+        <p:spPr>
+          <a:xfrm>
+            <a:off x="0" y="5157193"/>
+            <a:ext cx="12192000" cy="830997"/>
+          </a:xfrm>
+          <a:prstGeom prst="rect">
+            <a:avLst/>
+          </a:prstGeom>
+          <a:noFill/>
+        </p:spPr>
+        <p:txBody>
+          <a:bodyPr wrap="square" rtlCol="0">
+            <a:spAutoFit/>
+          </a:bodyPr>
+          <a:lstStyle/>
+          <a:p>
+            <a:pPr algn="ctr"/>
+            <a:r>
+              <a:rPr lang="en-US" sz="4800" b="1" dirty="0">
+                <a:solidFill>
+                  <a:srgbClr val="660033"/>
+                </a:solidFill>
               </a:rPr>
-              <a:t>永是我的榮耀</a:t>
-            </a:r>
-          </a:p>
-          <a:p>
-            <a:pPr algn="ctr">
-              <a:buNone/>
-            </a:pPr>
-            <a:r>
-              <a:rPr lang="zh-TW" altLang="en-US" sz="5400" b="1" dirty="0">
-                <a:solidFill>
-                  <a:srgbClr val="000066"/>
-                </a:solidFill>
-                <a:latin typeface="微軟正黑體" pitchFamily="34" charset="-120"/>
-                <a:ea typeface="微軟正黑體" pitchFamily="34" charset="-120"/>
-              </a:rPr>
-              <a:t>我眾罪都洗清潔</a:t>
-            </a:r>
-          </a:p>
-          <a:p>
-            <a:pPr algn="ctr">
-              <a:buNone/>
-            </a:pPr>
-            <a:r>
-              <a:rPr lang="zh-TW" altLang="en-US" sz="5400" b="1" dirty="0">
-                <a:solidFill>
-                  <a:srgbClr val="000066"/>
-                </a:solidFill>
-                <a:latin typeface="微軟正黑體" pitchFamily="34" charset="-120"/>
-                <a:ea typeface="微軟正黑體" pitchFamily="34" charset="-120"/>
-              </a:rPr>
-              <a:t>惟靠耶穌寶血</a:t>
-            </a:r>
+              <a:t>( 1 )</a:t>
+            </a:r>
+            <a:endParaRPr lang="vi-VN" sz="4800" b="1" dirty="0">
+              <a:solidFill>
+                <a:srgbClr val="660033"/>
+              </a:solidFill>
+            </a:endParaRPr>
           </a:p>
         </p:txBody>
       </p:sp>
     </p:spTree>
+    <p:extLst>
+      <p:ext uri="{BB962C8B-B14F-4D97-AF65-F5344CB8AC3E}">
+        <p14:creationId xmlns:p14="http://schemas.microsoft.com/office/powerpoint/2010/main" val="268881285"/>
+      </p:ext>
+    </p:extLst>
   </p:cSld>
   <p:clrMapOvr>
     <a:masterClrMapping/>
   </p:clrMapOvr>
+  <p:timing>
+    <p:tnLst>
+      <p:par>
+        <p:cTn id="1" dur="indefinite" restart="never" nodeType="tmRoot"/>
+      </p:par>
+    </p:tnLst>
+  </p:timing>
 </p:sld>
 </file>
 
@@ -3339,115 +3393,81 @@
       </p:grpSpPr>
       <p:sp>
         <p:nvSpPr>
-          <p:cNvPr id="4" name="標題 3"/>
-          <p:cNvSpPr>
-            <a:spLocks noGrp="1"/>
-          </p:cNvSpPr>
-          <p:nvPr>
-            <p:ph type="title"/>
-          </p:nvPr>
-        </p:nvSpPr>
-        <p:spPr/>
-        <p:txBody>
-          <a:bodyPr/>
-          <a:lstStyle/>
-          <a:p>
-            <a:r>
-              <a:rPr lang="zh-TW" altLang="en-US" b="1" dirty="0">
-                <a:solidFill>
-                  <a:srgbClr val="000066"/>
+          <p:cNvPr id="5" name="內容版面配置區 4"/>
+          <p:cNvSpPr>
+            <a:spLocks noGrp="1"/>
+          </p:cNvSpPr>
+          <p:nvPr>
+            <p:ph idx="1"/>
+          </p:nvPr>
+        </p:nvSpPr>
+        <p:spPr>
+          <a:xfrm>
+            <a:off x="0" y="2084851"/>
+            <a:ext cx="12192000" cy="2404863"/>
+          </a:xfrm>
+        </p:spPr>
+        <p:txBody>
+          <a:bodyPr anchor="ctr">
+            <a:normAutofit/>
+          </a:bodyPr>
+          <a:lstStyle/>
+          <a:p>
+            <a:pPr algn="ctr">
+              <a:buNone/>
+            </a:pPr>
+            <a:r>
+              <a:rPr lang="zh-TW" altLang="en-US" sz="6400" b="1" dirty="0">
+                <a:solidFill>
+                  <a:srgbClr val="660033"/>
                 </a:solidFill>
                 <a:latin typeface="微軟正黑體" pitchFamily="34" charset="-120"/>
                 <a:ea typeface="微軟正黑體" pitchFamily="34" charset="-120"/>
               </a:rPr>
-              <a:t>十字架十字架</a:t>
-            </a:r>
-          </a:p>
-        </p:txBody>
-      </p:sp>
-      <p:sp>
-        <p:nvSpPr>
-          <p:cNvPr id="5" name="內容版面配置區 4"/>
-          <p:cNvSpPr>
-            <a:spLocks noGrp="1"/>
-          </p:cNvSpPr>
-          <p:nvPr>
-            <p:ph idx="1"/>
-          </p:nvPr>
-        </p:nvSpPr>
-        <p:spPr/>
-        <p:txBody>
-          <a:bodyPr>
-            <a:normAutofit/>
-          </a:bodyPr>
-          <a:lstStyle/>
-          <a:p>
-            <a:pPr lvl="0" algn="ctr">
+              <a:t>十字架十字架  永是我的榮耀</a:t>
+            </a:r>
+          </a:p>
+          <a:p>
+            <a:pPr algn="ctr">
               <a:buNone/>
             </a:pPr>
             <a:r>
-              <a:rPr lang="zh-TW" altLang="en-US" sz="5400" b="1" dirty="0">
-                <a:solidFill>
-                  <a:srgbClr val="000066"/>
+              <a:rPr lang="zh-TW" altLang="en-US" sz="6400" b="1" dirty="0">
+                <a:solidFill>
+                  <a:srgbClr val="660033"/>
                 </a:solidFill>
                 <a:latin typeface="微軟正黑體" pitchFamily="34" charset="-120"/>
                 <a:ea typeface="微軟正黑體" pitchFamily="34" charset="-120"/>
               </a:rPr>
-              <a:t>我與主同釘十架</a:t>
-            </a:r>
-          </a:p>
-          <a:p>
-            <a:pPr algn="ctr">
-              <a:buNone/>
-            </a:pPr>
-            <a:r>
-              <a:rPr lang="zh-TW" altLang="en-US" sz="5400" b="1" dirty="0">
-                <a:solidFill>
-                  <a:srgbClr val="000066"/>
-                </a:solidFill>
-                <a:latin typeface="微軟正黑體" pitchFamily="34" charset="-120"/>
-                <a:ea typeface="微軟正黑體" pitchFamily="34" charset="-120"/>
-              </a:rPr>
-              <a:t>和祂同葬同活</a:t>
-            </a:r>
-          </a:p>
-          <a:p>
-            <a:pPr algn="ctr">
-              <a:buNone/>
-            </a:pPr>
-            <a:r>
-              <a:rPr lang="zh-TW" altLang="en-US" sz="5400" b="1" dirty="0">
-                <a:solidFill>
-                  <a:srgbClr val="000066"/>
-                </a:solidFill>
-                <a:latin typeface="微軟正黑體" pitchFamily="34" charset="-120"/>
-                <a:ea typeface="微軟正黑體" pitchFamily="34" charset="-120"/>
-              </a:rPr>
-              <a:t>今主因信住我心</a:t>
-            </a:r>
-          </a:p>
-          <a:p>
-            <a:pPr algn="ctr">
-              <a:buNone/>
-            </a:pPr>
-            <a:r>
-              <a:rPr lang="zh-TW" altLang="en-US" sz="5400" b="1" dirty="0">
-                <a:solidFill>
-                  <a:srgbClr val="000066"/>
-                </a:solidFill>
-                <a:latin typeface="微軟正黑體" pitchFamily="34" charset="-120"/>
-                <a:ea typeface="微軟正黑體" pitchFamily="34" charset="-120"/>
-              </a:rPr>
-              <a:t>不再是我活著</a:t>
-            </a:r>
+              <a:t>我眾罪都洗清潔  惟靠耶穌寶血</a:t>
+            </a:r>
+            <a:endParaRPr lang="zh-TW" altLang="en-US" sz="6400" b="1" dirty="0">
+              <a:solidFill>
+                <a:srgbClr val="660033"/>
+              </a:solidFill>
+              <a:latin typeface="微軟正黑體" pitchFamily="34" charset="-120"/>
+              <a:ea typeface="微軟正黑體" pitchFamily="34" charset="-120"/>
+            </a:endParaRPr>
           </a:p>
         </p:txBody>
       </p:sp>
     </p:spTree>
+    <p:extLst>
+      <p:ext uri="{BB962C8B-B14F-4D97-AF65-F5344CB8AC3E}">
+        <p14:creationId xmlns:p14="http://schemas.microsoft.com/office/powerpoint/2010/main" val="2917744915"/>
+      </p:ext>
+    </p:extLst>
   </p:cSld>
   <p:clrMapOvr>
     <a:masterClrMapping/>
   </p:clrMapOvr>
+  <p:timing>
+    <p:tnLst>
+      <p:par>
+        <p:cTn id="1" dur="indefinite" restart="never" nodeType="tmRoot"/>
+      </p:par>
+    </p:tnLst>
+  </p:timing>
 </p:sld>
 </file>
 
@@ -3470,115 +3490,120 @@
       </p:grpSpPr>
       <p:sp>
         <p:nvSpPr>
-          <p:cNvPr id="4" name="標題 3"/>
-          <p:cNvSpPr>
-            <a:spLocks noGrp="1"/>
-          </p:cNvSpPr>
-          <p:nvPr>
-            <p:ph type="title"/>
-          </p:nvPr>
-        </p:nvSpPr>
-        <p:spPr/>
-        <p:txBody>
-          <a:bodyPr/>
-          <a:lstStyle/>
-          <a:p>
-            <a:r>
-              <a:rPr lang="zh-TW" altLang="en-US" b="1" dirty="0">
-                <a:solidFill>
-                  <a:srgbClr val="000066"/>
+          <p:cNvPr id="5" name="內容版面配置區 4"/>
+          <p:cNvSpPr>
+            <a:spLocks noGrp="1"/>
+          </p:cNvSpPr>
+          <p:nvPr>
+            <p:ph idx="1"/>
+          </p:nvPr>
+        </p:nvSpPr>
+        <p:spPr>
+          <a:xfrm>
+            <a:off x="0" y="2084851"/>
+            <a:ext cx="12192000" cy="2404863"/>
+          </a:xfrm>
+        </p:spPr>
+        <p:txBody>
+          <a:bodyPr anchor="ctr">
+            <a:normAutofit/>
+          </a:bodyPr>
+          <a:lstStyle/>
+          <a:p>
+            <a:pPr lvl="0" algn="ctr">
+              <a:buNone/>
+            </a:pPr>
+            <a:r>
+              <a:rPr lang="zh-TW" altLang="en-US" sz="6400" b="1" dirty="0">
+                <a:solidFill>
+                  <a:srgbClr val="660033"/>
                 </a:solidFill>
                 <a:latin typeface="微軟正黑體" pitchFamily="34" charset="-120"/>
                 <a:ea typeface="微軟正黑體" pitchFamily="34" charset="-120"/>
               </a:rPr>
-              <a:t>十字架十字架</a:t>
-            </a:r>
-          </a:p>
-        </p:txBody>
-      </p:sp>
-      <p:sp>
-        <p:nvSpPr>
-          <p:cNvPr id="5" name="內容版面配置區 4"/>
-          <p:cNvSpPr>
-            <a:spLocks noGrp="1"/>
-          </p:cNvSpPr>
-          <p:nvPr>
-            <p:ph idx="1"/>
-          </p:nvPr>
-        </p:nvSpPr>
-        <p:spPr/>
-        <p:txBody>
-          <a:bodyPr>
-            <a:normAutofit/>
-          </a:bodyPr>
-          <a:lstStyle/>
+              <a:t>我與主同釘十架  和祂同葬同活</a:t>
+            </a:r>
+          </a:p>
           <a:p>
             <a:pPr algn="ctr">
               <a:buNone/>
             </a:pPr>
             <a:r>
-              <a:rPr lang="zh-TW" altLang="en-US" sz="5400" b="1" dirty="0">
-                <a:solidFill>
-                  <a:srgbClr val="000066"/>
+              <a:rPr lang="zh-TW" altLang="en-US" sz="6400" b="1" dirty="0">
+                <a:solidFill>
+                  <a:srgbClr val="660033"/>
                 </a:solidFill>
                 <a:latin typeface="微軟正黑體" pitchFamily="34" charset="-120"/>
                 <a:ea typeface="微軟正黑體" pitchFamily="34" charset="-120"/>
               </a:rPr>
-              <a:t>十字架十字架</a:t>
-            </a:r>
-          </a:p>
-          <a:p>
-            <a:pPr algn="ctr">
-              <a:buNone/>
-            </a:pPr>
-            <a:r>
-              <a:rPr lang="zh-TW" altLang="en-US" sz="5400" b="1" dirty="0">
-                <a:solidFill>
-                  <a:srgbClr val="000066"/>
-                </a:solidFill>
-                <a:latin typeface="微軟正黑體" pitchFamily="34" charset="-120"/>
-                <a:ea typeface="微軟正黑體" pitchFamily="34" charset="-120"/>
+              <a:t>今主因信住我心  不再是我活著</a:t>
+            </a:r>
+            <a:endParaRPr lang="zh-TW" altLang="en-US" sz="6400" b="1" dirty="0">
+              <a:solidFill>
+                <a:srgbClr val="660033"/>
+              </a:solidFill>
+              <a:latin typeface="微軟正黑體" pitchFamily="34" charset="-120"/>
+              <a:ea typeface="微軟正黑體" pitchFamily="34" charset="-120"/>
+            </a:endParaRPr>
+          </a:p>
+        </p:txBody>
+      </p:sp>
+      <p:sp>
+        <p:nvSpPr>
+          <p:cNvPr id="3" name="TextBox 2"/>
+          <p:cNvSpPr txBox="1"/>
+          <p:nvPr/>
+        </p:nvSpPr>
+        <p:spPr>
+          <a:xfrm>
+            <a:off x="0" y="5157193"/>
+            <a:ext cx="12192000" cy="830997"/>
+          </a:xfrm>
+          <a:prstGeom prst="rect">
+            <a:avLst/>
+          </a:prstGeom>
+          <a:noFill/>
+        </p:spPr>
+        <p:txBody>
+          <a:bodyPr wrap="square" rtlCol="0">
+            <a:spAutoFit/>
+          </a:bodyPr>
+          <a:lstStyle/>
+          <a:p>
+            <a:pPr algn="ctr"/>
+            <a:r>
+              <a:rPr lang="en-US" sz="4800" b="1" dirty="0">
+                <a:solidFill>
+                  <a:srgbClr val="660033"/>
+                </a:solidFill>
               </a:rPr>
-              <a:t>永是我的榮耀</a:t>
-            </a:r>
-          </a:p>
-          <a:p>
-            <a:pPr algn="ctr">
-              <a:buNone/>
-            </a:pPr>
-            <a:r>
-              <a:rPr lang="zh-TW" altLang="en-US" sz="5400" b="1" dirty="0">
-                <a:solidFill>
-                  <a:srgbClr val="000066"/>
-                </a:solidFill>
-                <a:latin typeface="微軟正黑體" pitchFamily="34" charset="-120"/>
-                <a:ea typeface="微軟正黑體" pitchFamily="34" charset="-120"/>
-              </a:rPr>
-              <a:t>我眾罪都洗清潔</a:t>
-            </a:r>
-          </a:p>
-          <a:p>
-            <a:pPr algn="ctr">
-              <a:buNone/>
-            </a:pPr>
-            <a:r>
-              <a:rPr lang="zh-TW" altLang="en-US" sz="5400" b="1" dirty="0">
-                <a:solidFill>
-                  <a:srgbClr val="000066"/>
-                </a:solidFill>
-                <a:latin typeface="微軟正黑體" pitchFamily="34" charset="-120"/>
-                <a:ea typeface="微軟正黑體" pitchFamily="34" charset="-120"/>
-              </a:rPr>
-              <a:t>惟靠耶穌寶血</a:t>
-            </a:r>
+              <a:t>( 2 )</a:t>
+            </a:r>
+            <a:endParaRPr lang="vi-VN" sz="4800" b="1" dirty="0">
+              <a:solidFill>
+                <a:srgbClr val="660033"/>
+              </a:solidFill>
+            </a:endParaRPr>
           </a:p>
         </p:txBody>
       </p:sp>
     </p:spTree>
+    <p:extLst>
+      <p:ext uri="{BB962C8B-B14F-4D97-AF65-F5344CB8AC3E}">
+        <p14:creationId xmlns:p14="http://schemas.microsoft.com/office/powerpoint/2010/main" val="3781183981"/>
+      </p:ext>
+    </p:extLst>
   </p:cSld>
   <p:clrMapOvr>
     <a:masterClrMapping/>
   </p:clrMapOvr>
+  <p:timing>
+    <p:tnLst>
+      <p:par>
+        <p:cTn id="1" dur="indefinite" restart="never" nodeType="tmRoot"/>
+      </p:par>
+    </p:tnLst>
+  </p:timing>
 </p:sld>
 </file>
 
@@ -3601,155 +3626,81 @@
       </p:grpSpPr>
       <p:sp>
         <p:nvSpPr>
-          <p:cNvPr id="4" name="標題 3"/>
-          <p:cNvSpPr>
-            <a:spLocks noGrp="1"/>
-          </p:cNvSpPr>
-          <p:nvPr>
-            <p:ph type="title"/>
-          </p:nvPr>
-        </p:nvSpPr>
-        <p:spPr/>
-        <p:txBody>
-          <a:bodyPr/>
-          <a:lstStyle/>
-          <a:p>
-            <a:r>
-              <a:rPr lang="zh-TW" altLang="en-US" b="1" dirty="0">
-                <a:solidFill>
-                  <a:srgbClr val="000066"/>
+          <p:cNvPr id="5" name="內容版面配置區 4"/>
+          <p:cNvSpPr>
+            <a:spLocks noGrp="1"/>
+          </p:cNvSpPr>
+          <p:nvPr>
+            <p:ph idx="1"/>
+          </p:nvPr>
+        </p:nvSpPr>
+        <p:spPr>
+          <a:xfrm>
+            <a:off x="0" y="2084851"/>
+            <a:ext cx="12192000" cy="2404863"/>
+          </a:xfrm>
+        </p:spPr>
+        <p:txBody>
+          <a:bodyPr anchor="ctr">
+            <a:normAutofit/>
+          </a:bodyPr>
+          <a:lstStyle/>
+          <a:p>
+            <a:pPr algn="ctr">
+              <a:buNone/>
+            </a:pPr>
+            <a:r>
+              <a:rPr lang="zh-TW" altLang="en-US" sz="6400" b="1" dirty="0">
+                <a:solidFill>
+                  <a:srgbClr val="660033"/>
                 </a:solidFill>
                 <a:latin typeface="微軟正黑體" pitchFamily="34" charset="-120"/>
                 <a:ea typeface="微軟正黑體" pitchFamily="34" charset="-120"/>
               </a:rPr>
-              <a:t>十字架十字架</a:t>
-            </a:r>
-          </a:p>
-        </p:txBody>
-      </p:sp>
-      <p:sp>
-        <p:nvSpPr>
-          <p:cNvPr id="5" name="內容版面配置區 4"/>
-          <p:cNvSpPr>
-            <a:spLocks noGrp="1"/>
-          </p:cNvSpPr>
-          <p:nvPr>
-            <p:ph idx="1"/>
-          </p:nvPr>
-        </p:nvSpPr>
-        <p:spPr/>
-        <p:txBody>
-          <a:bodyPr>
-            <a:normAutofit/>
-          </a:bodyPr>
-          <a:lstStyle/>
-          <a:p>
-            <a:pPr lvl="0" algn="ctr">
+              <a:t>十字架十字架  永是我的榮耀</a:t>
+            </a:r>
+          </a:p>
+          <a:p>
+            <a:pPr algn="ctr">
               <a:buNone/>
             </a:pPr>
             <a:r>
-              <a:rPr lang="zh-TW" altLang="en-US" sz="5400" b="1" dirty="0">
-                <a:solidFill>
-                  <a:srgbClr val="000066"/>
+              <a:rPr lang="zh-TW" altLang="en-US" sz="6400" b="1" dirty="0">
+                <a:solidFill>
+                  <a:srgbClr val="660033"/>
                 </a:solidFill>
                 <a:latin typeface="微軟正黑體" pitchFamily="34" charset="-120"/>
                 <a:ea typeface="微軟正黑體" pitchFamily="34" charset="-120"/>
               </a:rPr>
-              <a:t>我</a:t>
-            </a:r>
-            <a:r>
-              <a:rPr lang="zh-TW" altLang="en-US" sz="5400" b="1" dirty="0" smtClean="0">
-                <a:solidFill>
-                  <a:srgbClr val="000066"/>
-                </a:solidFill>
-                <a:latin typeface="微軟正黑體" pitchFamily="34" charset="-120"/>
-                <a:ea typeface="微軟正黑體" pitchFamily="34" charset="-120"/>
-              </a:rPr>
-              <a:t>定</a:t>
-            </a:r>
-            <a:r>
-              <a:rPr lang="zh-CN" altLang="en-US" sz="5400" b="1" dirty="0" smtClean="0">
-                <a:solidFill>
-                  <a:srgbClr val="000066"/>
-                </a:solidFill>
-                <a:latin typeface="微軟正黑體" pitchFamily="34" charset="-120"/>
-                <a:ea typeface="微軟正黑體" pitchFamily="34" charset="-120"/>
-              </a:rPr>
-              <a:t>志</a:t>
-            </a:r>
-            <a:r>
-              <a:rPr lang="zh-TW" altLang="en-US" sz="5400" b="1" dirty="0" smtClean="0">
-                <a:solidFill>
-                  <a:srgbClr val="000066"/>
-                </a:solidFill>
-                <a:latin typeface="微軟正黑體" pitchFamily="34" charset="-120"/>
-                <a:ea typeface="微軟正黑體" pitchFamily="34" charset="-120"/>
-              </a:rPr>
-              <a:t>不知</a:t>
-            </a:r>
-            <a:r>
-              <a:rPr lang="zh-TW" altLang="en-US" sz="5400" b="1" dirty="0">
-                <a:solidFill>
-                  <a:srgbClr val="000066"/>
-                </a:solidFill>
-                <a:latin typeface="微軟正黑體" pitchFamily="34" charset="-120"/>
-                <a:ea typeface="微軟正黑體" pitchFamily="34" charset="-120"/>
-              </a:rPr>
-              <a:t>別的</a:t>
-            </a:r>
-          </a:p>
-          <a:p>
-            <a:pPr algn="ctr">
-              <a:buNone/>
-            </a:pPr>
-            <a:r>
-              <a:rPr lang="zh-TW" altLang="en-US" sz="5400" b="1" dirty="0">
-                <a:solidFill>
-                  <a:srgbClr val="000066"/>
-                </a:solidFill>
-                <a:latin typeface="微軟正黑體" pitchFamily="34" charset="-120"/>
-                <a:ea typeface="微軟正黑體" pitchFamily="34" charset="-120"/>
-              </a:rPr>
-              <a:t>只傳耶穌基督</a:t>
-            </a:r>
-          </a:p>
-          <a:p>
-            <a:pPr algn="ctr">
-              <a:buNone/>
-            </a:pPr>
-            <a:r>
-              <a:rPr lang="zh-TW" altLang="en-US" sz="5400" b="1" dirty="0">
-                <a:solidFill>
-                  <a:srgbClr val="000066"/>
-                </a:solidFill>
-                <a:latin typeface="微軟正黑體" pitchFamily="34" charset="-120"/>
-                <a:ea typeface="微軟正黑體" pitchFamily="34" charset="-120"/>
-              </a:rPr>
-              <a:t>並祂為我釘十架</a:t>
-            </a:r>
-          </a:p>
-          <a:p>
-            <a:pPr algn="ctr">
-              <a:buNone/>
-            </a:pPr>
-            <a:r>
-              <a:rPr lang="zh-TW" altLang="en-US" sz="5400" b="1" dirty="0">
-                <a:solidFill>
-                  <a:srgbClr val="000066"/>
-                </a:solidFill>
-                <a:latin typeface="微軟正黑體" pitchFamily="34" charset="-120"/>
-                <a:ea typeface="微軟正黑體" pitchFamily="34" charset="-120"/>
-              </a:rPr>
-              <a:t>死後三日復活</a:t>
-            </a:r>
+              <a:t>我眾罪都洗清潔  惟靠耶穌寶血</a:t>
+            </a:r>
+            <a:endParaRPr lang="zh-TW" altLang="en-US" sz="6400" b="1" dirty="0">
+              <a:solidFill>
+                <a:srgbClr val="660033"/>
+              </a:solidFill>
+              <a:latin typeface="微軟正黑體" pitchFamily="34" charset="-120"/>
+              <a:ea typeface="微軟正黑體" pitchFamily="34" charset="-120"/>
+            </a:endParaRPr>
           </a:p>
         </p:txBody>
       </p:sp>
     </p:spTree>
+    <p:extLst>
+      <p:ext uri="{BB962C8B-B14F-4D97-AF65-F5344CB8AC3E}">
+        <p14:creationId xmlns:p14="http://schemas.microsoft.com/office/powerpoint/2010/main" val="486736933"/>
+      </p:ext>
+    </p:extLst>
   </p:cSld>
   <p:clrMapOvr>
     <a:masterClrMapping/>
   </p:clrMapOvr>
+  <p:timing>
+    <p:tnLst>
+      <p:par>
+        <p:cTn id="1" dur="indefinite" restart="never" nodeType="tmRoot"/>
+      </p:par>
+    </p:tnLst>
+  </p:timing>
 </p:sld>
 </file>
 
@@ -3772,76 +3723,58 @@
       </p:grpSpPr>
       <p:sp>
         <p:nvSpPr>
-          <p:cNvPr id="4" name="標題 3"/>
-          <p:cNvSpPr>
-            <a:spLocks noGrp="1"/>
-          </p:cNvSpPr>
-          <p:nvPr>
-            <p:ph type="title"/>
-          </p:nvPr>
-        </p:nvSpPr>
-        <p:spPr/>
-        <p:txBody>
-          <a:bodyPr/>
-          <a:lstStyle/>
-          <a:p>
-            <a:r>
-              <a:rPr lang="zh-TW" altLang="en-US" b="1" dirty="0">
-                <a:solidFill>
-                  <a:srgbClr val="000066"/>
+          <p:cNvPr id="5" name="內容版面配置區 4"/>
+          <p:cNvSpPr>
+            <a:spLocks noGrp="1"/>
+          </p:cNvSpPr>
+          <p:nvPr>
+            <p:ph idx="1"/>
+          </p:nvPr>
+        </p:nvSpPr>
+        <p:spPr>
+          <a:xfrm>
+            <a:off x="0" y="2084851"/>
+            <a:ext cx="12192000" cy="2404863"/>
+          </a:xfrm>
+        </p:spPr>
+        <p:txBody>
+          <a:bodyPr anchor="ctr">
+            <a:normAutofit/>
+          </a:bodyPr>
+          <a:lstStyle/>
+          <a:p>
+            <a:pPr lvl="0" algn="ctr">
+              <a:buNone/>
+            </a:pPr>
+            <a:r>
+              <a:rPr lang="zh-TW" altLang="en-US" sz="6400" b="1" dirty="0">
+                <a:solidFill>
+                  <a:srgbClr val="660033"/>
                 </a:solidFill>
                 <a:latin typeface="微軟正黑體" pitchFamily="34" charset="-120"/>
                 <a:ea typeface="微軟正黑體" pitchFamily="34" charset="-120"/>
               </a:rPr>
-              <a:t>十字架十字架</a:t>
-            </a:r>
-          </a:p>
-        </p:txBody>
-      </p:sp>
-      <p:sp>
-        <p:nvSpPr>
-          <p:cNvPr id="5" name="內容版面配置區 4"/>
-          <p:cNvSpPr>
-            <a:spLocks noGrp="1"/>
-          </p:cNvSpPr>
-          <p:nvPr>
-            <p:ph idx="1"/>
-          </p:nvPr>
-        </p:nvSpPr>
-        <p:spPr/>
-        <p:txBody>
-          <a:bodyPr>
-            <a:normAutofit/>
-          </a:bodyPr>
-          <a:lstStyle/>
-          <a:p>
-            <a:pPr algn="ctr">
-              <a:buNone/>
-            </a:pPr>
-            <a:r>
-              <a:rPr lang="zh-TW" altLang="en-US" sz="5400" b="1" dirty="0">
-                <a:solidFill>
-                  <a:srgbClr val="000066"/>
+              <a:t>我定</a:t>
+            </a:r>
+            <a:r>
+              <a:rPr lang="zh-CN" altLang="en-US" sz="6400" b="1" dirty="0">
+                <a:solidFill>
+                  <a:srgbClr val="660033"/>
                 </a:solidFill>
                 <a:latin typeface="微軟正黑體" pitchFamily="34" charset="-120"/>
                 <a:ea typeface="微軟正黑體" pitchFamily="34" charset="-120"/>
               </a:rPr>
-              <a:t>十字架十字架</a:t>
-            </a:r>
-          </a:p>
-          <a:p>
-            <a:pPr algn="ctr">
-              <a:buNone/>
-            </a:pPr>
-            <a:r>
-              <a:rPr lang="zh-TW" altLang="en-US" sz="5400" b="1" dirty="0">
-                <a:solidFill>
-                  <a:srgbClr val="000066"/>
+              <a:t>志</a:t>
+            </a:r>
+            <a:r>
+              <a:rPr lang="zh-TW" altLang="en-US" sz="6400" b="1" dirty="0">
+                <a:solidFill>
+                  <a:srgbClr val="660033"/>
                 </a:solidFill>
                 <a:latin typeface="微軟正黑體" pitchFamily="34" charset="-120"/>
                 <a:ea typeface="微軟正黑體" pitchFamily="34" charset="-120"/>
               </a:rPr>
-              <a:t>永是我的榮耀</a:t>
+              <a:t>不知別的  只傳耶穌基督</a:t>
             </a:r>
           </a:p>
           <a:p>
@@ -3849,38 +3782,81 @@
               <a:buNone/>
             </a:pPr>
             <a:r>
-              <a:rPr lang="zh-TW" altLang="en-US" sz="5400" b="1" dirty="0">
-                <a:solidFill>
-                  <a:srgbClr val="000066"/>
+              <a:rPr lang="zh-TW" altLang="en-US" sz="6400" b="1" dirty="0">
+                <a:solidFill>
+                  <a:srgbClr val="660033"/>
                 </a:solidFill>
                 <a:latin typeface="微軟正黑體" pitchFamily="34" charset="-120"/>
                 <a:ea typeface="微軟正黑體" pitchFamily="34" charset="-120"/>
               </a:rPr>
-              <a:t>我眾罪都洗清潔</a:t>
-            </a:r>
-          </a:p>
-          <a:p>
-            <a:pPr algn="ctr">
-              <a:buNone/>
-            </a:pPr>
-            <a:r>
-              <a:rPr lang="zh-TW" altLang="en-US" sz="5400" b="1" dirty="0">
-                <a:solidFill>
-                  <a:srgbClr val="000066"/>
-                </a:solidFill>
-                <a:latin typeface="微軟正黑體" pitchFamily="34" charset="-120"/>
-                <a:ea typeface="微軟正黑體" pitchFamily="34" charset="-120"/>
+              <a:t>並祂為我釘十架  死後三日復活</a:t>
+            </a:r>
+            <a:endParaRPr lang="zh-TW" altLang="en-US" sz="6400" b="1" dirty="0">
+              <a:solidFill>
+                <a:srgbClr val="660033"/>
+              </a:solidFill>
+              <a:latin typeface="微軟正黑體" pitchFamily="34" charset="-120"/>
+              <a:ea typeface="微軟正黑體" pitchFamily="34" charset="-120"/>
+            </a:endParaRPr>
+          </a:p>
+        </p:txBody>
+      </p:sp>
+      <p:sp>
+        <p:nvSpPr>
+          <p:cNvPr id="3" name="TextBox 2"/>
+          <p:cNvSpPr txBox="1"/>
+          <p:nvPr/>
+        </p:nvSpPr>
+        <p:spPr>
+          <a:xfrm>
+            <a:off x="0" y="5157193"/>
+            <a:ext cx="12192000" cy="830997"/>
+          </a:xfrm>
+          <a:prstGeom prst="rect">
+            <a:avLst/>
+          </a:prstGeom>
+          <a:noFill/>
+        </p:spPr>
+        <p:txBody>
+          <a:bodyPr wrap="square" rtlCol="0">
+            <a:spAutoFit/>
+          </a:bodyPr>
+          <a:lstStyle/>
+          <a:p>
+            <a:pPr algn="ctr"/>
+            <a:r>
+              <a:rPr lang="en-US" sz="4800" b="1" dirty="0">
+                <a:solidFill>
+                  <a:srgbClr val="660033"/>
+                </a:solidFill>
               </a:rPr>
-              <a:t>惟靠耶穌寶血</a:t>
-            </a:r>
+              <a:t>( 3 )</a:t>
+            </a:r>
+            <a:endParaRPr lang="vi-VN" sz="4800" b="1" dirty="0">
+              <a:solidFill>
+                <a:srgbClr val="660033"/>
+              </a:solidFill>
+            </a:endParaRPr>
           </a:p>
         </p:txBody>
       </p:sp>
     </p:spTree>
+    <p:extLst>
+      <p:ext uri="{BB962C8B-B14F-4D97-AF65-F5344CB8AC3E}">
+        <p14:creationId xmlns:p14="http://schemas.microsoft.com/office/powerpoint/2010/main" val="715278665"/>
+      </p:ext>
+    </p:extLst>
   </p:cSld>
   <p:clrMapOvr>
     <a:masterClrMapping/>
   </p:clrMapOvr>
+  <p:timing>
+    <p:tnLst>
+      <p:par>
+        <p:cTn id="1" dur="indefinite" restart="never" nodeType="tmRoot"/>
+      </p:par>
+    </p:tnLst>
+  </p:timing>
 </p:sld>
 </file>
 
@@ -3903,120 +3879,81 @@
       </p:grpSpPr>
       <p:sp>
         <p:nvSpPr>
-          <p:cNvPr id="4" name="標題 3"/>
-          <p:cNvSpPr>
-            <a:spLocks noGrp="1"/>
-          </p:cNvSpPr>
-          <p:nvPr>
-            <p:ph type="title"/>
-          </p:nvPr>
-        </p:nvSpPr>
-        <p:spPr/>
-        <p:txBody>
-          <a:bodyPr/>
-          <a:lstStyle/>
-          <a:p>
-            <a:r>
-              <a:rPr lang="zh-TW" altLang="en-US" b="1" dirty="0">
-                <a:solidFill>
-                  <a:srgbClr val="000066"/>
+          <p:cNvPr id="5" name="內容版面配置區 4"/>
+          <p:cNvSpPr>
+            <a:spLocks noGrp="1"/>
+          </p:cNvSpPr>
+          <p:nvPr>
+            <p:ph idx="1"/>
+          </p:nvPr>
+        </p:nvSpPr>
+        <p:spPr>
+          <a:xfrm>
+            <a:off x="0" y="2084851"/>
+            <a:ext cx="12192000" cy="2404863"/>
+          </a:xfrm>
+        </p:spPr>
+        <p:txBody>
+          <a:bodyPr anchor="ctr">
+            <a:normAutofit/>
+          </a:bodyPr>
+          <a:lstStyle/>
+          <a:p>
+            <a:pPr algn="ctr">
+              <a:buNone/>
+            </a:pPr>
+            <a:r>
+              <a:rPr lang="zh-TW" altLang="en-US" sz="6400" b="1" dirty="0">
+                <a:solidFill>
+                  <a:srgbClr val="660033"/>
                 </a:solidFill>
                 <a:latin typeface="微軟正黑體" pitchFamily="34" charset="-120"/>
                 <a:ea typeface="微軟正黑體" pitchFamily="34" charset="-120"/>
               </a:rPr>
-              <a:t>十字架十字架</a:t>
-            </a:r>
-          </a:p>
-        </p:txBody>
-      </p:sp>
-      <p:sp>
-        <p:nvSpPr>
-          <p:cNvPr id="5" name="內容版面配置區 4"/>
-          <p:cNvSpPr>
-            <a:spLocks noGrp="1"/>
-          </p:cNvSpPr>
-          <p:nvPr>
-            <p:ph idx="1"/>
-          </p:nvPr>
-        </p:nvSpPr>
-        <p:spPr>
-          <a:xfrm>
-            <a:off x="428596" y="1571612"/>
-            <a:ext cx="8229600" cy="4525963"/>
-          </a:xfrm>
-        </p:spPr>
-        <p:txBody>
-          <a:bodyPr>
-            <a:normAutofit/>
-          </a:bodyPr>
-          <a:lstStyle/>
-          <a:p>
-            <a:pPr lvl="0" algn="ctr">
+              <a:t>十字架十字架  永是我的榮耀</a:t>
+            </a:r>
+          </a:p>
+          <a:p>
+            <a:pPr algn="ctr">
               <a:buNone/>
             </a:pPr>
             <a:r>
-              <a:rPr lang="zh-TW" altLang="en-US" sz="5400" b="1" dirty="0">
-                <a:solidFill>
-                  <a:srgbClr val="000066"/>
+              <a:rPr lang="zh-TW" altLang="en-US" sz="6400" b="1" dirty="0">
+                <a:solidFill>
+                  <a:srgbClr val="660033"/>
                 </a:solidFill>
                 <a:latin typeface="微軟正黑體" pitchFamily="34" charset="-120"/>
                 <a:ea typeface="微軟正黑體" pitchFamily="34" charset="-120"/>
               </a:rPr>
-              <a:t>主禁我別有所誇</a:t>
-            </a:r>
-          </a:p>
-          <a:p>
-            <a:pPr algn="ctr">
-              <a:buNone/>
-            </a:pPr>
-            <a:r>
-              <a:rPr lang="zh-TW" altLang="en-US" sz="5400" b="1" dirty="0">
-                <a:solidFill>
-                  <a:srgbClr val="000066"/>
-                </a:solidFill>
-                <a:latin typeface="微軟正黑體" pitchFamily="34" charset="-120"/>
-                <a:ea typeface="微軟正黑體" pitchFamily="34" charset="-120"/>
-              </a:rPr>
-              <a:t>但誇救主十架</a:t>
-            </a:r>
-          </a:p>
-          <a:p>
-            <a:pPr algn="ctr">
-              <a:buNone/>
-            </a:pPr>
-            <a:r>
-              <a:rPr lang="zh-TW" altLang="en-US" sz="5400" b="1" dirty="0">
-                <a:solidFill>
-                  <a:srgbClr val="000066"/>
-                </a:solidFill>
-                <a:latin typeface="微軟正黑體" pitchFamily="34" charset="-120"/>
-                <a:ea typeface="微軟正黑體" pitchFamily="34" charset="-120"/>
-              </a:rPr>
-              <a:t>世界對我已釘死</a:t>
-            </a:r>
-          </a:p>
-          <a:p>
-            <a:pPr algn="ctr">
-              <a:buNone/>
-            </a:pPr>
-            <a:r>
-              <a:rPr lang="zh-TW" altLang="en-US" sz="5400" b="1" dirty="0">
-                <a:solidFill>
-                  <a:srgbClr val="000066"/>
-                </a:solidFill>
-                <a:latin typeface="微軟正黑體" pitchFamily="34" charset="-120"/>
-                <a:ea typeface="微軟正黑體" pitchFamily="34" charset="-120"/>
-              </a:rPr>
-              <a:t>我以死對世界</a:t>
-            </a:r>
+              <a:t>我眾罪都洗清潔  惟靠耶穌寶血</a:t>
+            </a:r>
+            <a:endParaRPr lang="zh-TW" altLang="en-US" sz="6400" b="1" dirty="0">
+              <a:solidFill>
+                <a:srgbClr val="660033"/>
+              </a:solidFill>
+              <a:latin typeface="微軟正黑體" pitchFamily="34" charset="-120"/>
+              <a:ea typeface="微軟正黑體" pitchFamily="34" charset="-120"/>
+            </a:endParaRPr>
           </a:p>
         </p:txBody>
       </p:sp>
     </p:spTree>
+    <p:extLst>
+      <p:ext uri="{BB962C8B-B14F-4D97-AF65-F5344CB8AC3E}">
+        <p14:creationId xmlns:p14="http://schemas.microsoft.com/office/powerpoint/2010/main" val="4222998735"/>
+      </p:ext>
+    </p:extLst>
   </p:cSld>
   <p:clrMapOvr>
     <a:masterClrMapping/>
   </p:clrMapOvr>
+  <p:timing>
+    <p:tnLst>
+      <p:par>
+        <p:cTn id="1" dur="indefinite" restart="never" nodeType="tmRoot"/>
+      </p:par>
+    </p:tnLst>
+  </p:timing>
 </p:sld>
 </file>
 
@@ -4039,115 +3976,217 @@
       </p:grpSpPr>
       <p:sp>
         <p:nvSpPr>
-          <p:cNvPr id="4" name="標題 3"/>
-          <p:cNvSpPr>
-            <a:spLocks noGrp="1"/>
-          </p:cNvSpPr>
-          <p:nvPr>
-            <p:ph type="title"/>
-          </p:nvPr>
-        </p:nvSpPr>
-        <p:spPr/>
-        <p:txBody>
-          <a:bodyPr/>
-          <a:lstStyle/>
-          <a:p>
-            <a:r>
-              <a:rPr lang="zh-TW" altLang="en-US" b="1" dirty="0">
-                <a:solidFill>
-                  <a:srgbClr val="000066"/>
+          <p:cNvPr id="5" name="內容版面配置區 4"/>
+          <p:cNvSpPr>
+            <a:spLocks noGrp="1"/>
+          </p:cNvSpPr>
+          <p:nvPr>
+            <p:ph idx="1"/>
+          </p:nvPr>
+        </p:nvSpPr>
+        <p:spPr>
+          <a:xfrm>
+            <a:off x="0" y="2084851"/>
+            <a:ext cx="12192000" cy="2404863"/>
+          </a:xfrm>
+        </p:spPr>
+        <p:txBody>
+          <a:bodyPr anchor="ctr">
+            <a:normAutofit/>
+          </a:bodyPr>
+          <a:lstStyle/>
+          <a:p>
+            <a:pPr lvl="0" algn="ctr">
+              <a:buNone/>
+            </a:pPr>
+            <a:r>
+              <a:rPr lang="zh-TW" altLang="en-US" sz="6400" b="1" dirty="0">
+                <a:solidFill>
+                  <a:srgbClr val="660033"/>
                 </a:solidFill>
                 <a:latin typeface="微軟正黑體" pitchFamily="34" charset="-120"/>
                 <a:ea typeface="微軟正黑體" pitchFamily="34" charset="-120"/>
               </a:rPr>
-              <a:t>十字架十字架</a:t>
-            </a:r>
-          </a:p>
-        </p:txBody>
-      </p:sp>
-      <p:sp>
-        <p:nvSpPr>
-          <p:cNvPr id="5" name="內容版面配置區 4"/>
-          <p:cNvSpPr>
-            <a:spLocks noGrp="1"/>
-          </p:cNvSpPr>
-          <p:nvPr>
-            <p:ph idx="1"/>
-          </p:nvPr>
-        </p:nvSpPr>
-        <p:spPr/>
-        <p:txBody>
-          <a:bodyPr>
-            <a:normAutofit/>
-          </a:bodyPr>
-          <a:lstStyle/>
+              <a:t>主禁我別有所誇  但誇救主十架</a:t>
+            </a:r>
+          </a:p>
           <a:p>
             <a:pPr algn="ctr">
               <a:buNone/>
             </a:pPr>
             <a:r>
-              <a:rPr lang="zh-TW" altLang="en-US" sz="5400" b="1" dirty="0">
-                <a:solidFill>
-                  <a:srgbClr val="000066"/>
+              <a:rPr lang="zh-TW" altLang="en-US" sz="6400" b="1" dirty="0">
+                <a:solidFill>
+                  <a:srgbClr val="660033"/>
                 </a:solidFill>
                 <a:latin typeface="微軟正黑體" pitchFamily="34" charset="-120"/>
                 <a:ea typeface="微軟正黑體" pitchFamily="34" charset="-120"/>
               </a:rPr>
-              <a:t>十字架十字架</a:t>
-            </a:r>
-          </a:p>
-          <a:p>
-            <a:pPr algn="ctr">
-              <a:buNone/>
-            </a:pPr>
-            <a:r>
-              <a:rPr lang="zh-TW" altLang="en-US" sz="5400" b="1" dirty="0">
-                <a:solidFill>
-                  <a:srgbClr val="000066"/>
-                </a:solidFill>
-                <a:latin typeface="微軟正黑體" pitchFamily="34" charset="-120"/>
-                <a:ea typeface="微軟正黑體" pitchFamily="34" charset="-120"/>
+              <a:t>世界對我已釘死  我以死對世界</a:t>
+            </a:r>
+            <a:endParaRPr lang="zh-TW" altLang="en-US" sz="6400" b="1" dirty="0">
+              <a:solidFill>
+                <a:srgbClr val="660033"/>
+              </a:solidFill>
+              <a:latin typeface="微軟正黑體" pitchFamily="34" charset="-120"/>
+              <a:ea typeface="微軟正黑體" pitchFamily="34" charset="-120"/>
+            </a:endParaRPr>
+          </a:p>
+        </p:txBody>
+      </p:sp>
+      <p:sp>
+        <p:nvSpPr>
+          <p:cNvPr id="3" name="TextBox 2"/>
+          <p:cNvSpPr txBox="1"/>
+          <p:nvPr/>
+        </p:nvSpPr>
+        <p:spPr>
+          <a:xfrm>
+            <a:off x="0" y="5157193"/>
+            <a:ext cx="12192000" cy="830997"/>
+          </a:xfrm>
+          <a:prstGeom prst="rect">
+            <a:avLst/>
+          </a:prstGeom>
+          <a:noFill/>
+        </p:spPr>
+        <p:txBody>
+          <a:bodyPr wrap="square" rtlCol="0">
+            <a:spAutoFit/>
+          </a:bodyPr>
+          <a:lstStyle/>
+          <a:p>
+            <a:pPr algn="ctr"/>
+            <a:r>
+              <a:rPr lang="en-US" sz="4800" b="1" dirty="0">
+                <a:solidFill>
+                  <a:srgbClr val="660033"/>
+                </a:solidFill>
               </a:rPr>
-              <a:t>永是我的榮耀</a:t>
-            </a:r>
-          </a:p>
-          <a:p>
-            <a:pPr algn="ctr">
-              <a:buNone/>
-            </a:pPr>
-            <a:r>
-              <a:rPr lang="zh-TW" altLang="en-US" sz="5400" b="1" dirty="0">
-                <a:solidFill>
-                  <a:srgbClr val="000066"/>
-                </a:solidFill>
-                <a:latin typeface="微軟正黑體" pitchFamily="34" charset="-120"/>
-                <a:ea typeface="微軟正黑體" pitchFamily="34" charset="-120"/>
-              </a:rPr>
-              <a:t>我眾罪都洗清潔</a:t>
-            </a:r>
-          </a:p>
-          <a:p>
-            <a:pPr algn="ctr">
-              <a:buNone/>
-            </a:pPr>
-            <a:r>
-              <a:rPr lang="zh-TW" altLang="en-US" sz="5400" b="1" dirty="0">
-                <a:solidFill>
-                  <a:srgbClr val="000066"/>
-                </a:solidFill>
-                <a:latin typeface="微軟正黑體" pitchFamily="34" charset="-120"/>
-                <a:ea typeface="微軟正黑體" pitchFamily="34" charset="-120"/>
-              </a:rPr>
-              <a:t>惟靠耶穌寶血</a:t>
-            </a:r>
+              <a:t>( 4 )</a:t>
+            </a:r>
+            <a:endParaRPr lang="vi-VN" sz="4800" b="1" dirty="0">
+              <a:solidFill>
+                <a:srgbClr val="660033"/>
+              </a:solidFill>
+            </a:endParaRPr>
           </a:p>
         </p:txBody>
       </p:sp>
     </p:spTree>
+    <p:extLst>
+      <p:ext uri="{BB962C8B-B14F-4D97-AF65-F5344CB8AC3E}">
+        <p14:creationId xmlns:p14="http://schemas.microsoft.com/office/powerpoint/2010/main" val="111947391"/>
+      </p:ext>
+    </p:extLst>
   </p:cSld>
   <p:clrMapOvr>
     <a:masterClrMapping/>
   </p:clrMapOvr>
+  <p:timing>
+    <p:tnLst>
+      <p:par>
+        <p:cTn id="1" dur="indefinite" restart="never" nodeType="tmRoot"/>
+      </p:par>
+    </p:tnLst>
+  </p:timing>
+</p:sld>
+</file>
+
+<file path=ppt/slides/slide9.xml><?xml version="1.0" encoding="utf-8"?>
+<p:sld xmlns:a="http://schemas.openxmlformats.org/drawingml/2006/main" xmlns:r="http://schemas.openxmlformats.org/officeDocument/2006/relationships" xmlns:p="http://schemas.openxmlformats.org/presentationml/2006/main">
+  <p:cSld>
+    <p:spTree>
+      <p:nvGrpSpPr>
+        <p:cNvPr id="1" name=""/>
+        <p:cNvGrpSpPr/>
+        <p:nvPr/>
+      </p:nvGrpSpPr>
+      <p:grpSpPr>
+        <a:xfrm>
+          <a:off x="0" y="0"/>
+          <a:ext cx="0" cy="0"/>
+          <a:chOff x="0" y="0"/>
+          <a:chExt cx="0" cy="0"/>
+        </a:xfrm>
+      </p:grpSpPr>
+      <p:sp>
+        <p:nvSpPr>
+          <p:cNvPr id="5" name="內容版面配置區 4"/>
+          <p:cNvSpPr>
+            <a:spLocks noGrp="1"/>
+          </p:cNvSpPr>
+          <p:nvPr>
+            <p:ph idx="1"/>
+          </p:nvPr>
+        </p:nvSpPr>
+        <p:spPr>
+          <a:xfrm>
+            <a:off x="0" y="2084851"/>
+            <a:ext cx="12192000" cy="2404863"/>
+          </a:xfrm>
+        </p:spPr>
+        <p:txBody>
+          <a:bodyPr anchor="ctr">
+            <a:normAutofit/>
+          </a:bodyPr>
+          <a:lstStyle/>
+          <a:p>
+            <a:pPr algn="ctr">
+              <a:buNone/>
+            </a:pPr>
+            <a:r>
+              <a:rPr lang="zh-TW" altLang="en-US" sz="6400" b="1" dirty="0">
+                <a:solidFill>
+                  <a:srgbClr val="660033"/>
+                </a:solidFill>
+                <a:latin typeface="微軟正黑體" pitchFamily="34" charset="-120"/>
+                <a:ea typeface="微軟正黑體" pitchFamily="34" charset="-120"/>
+              </a:rPr>
+              <a:t>十字架十字架  永是我的榮耀</a:t>
+            </a:r>
+          </a:p>
+          <a:p>
+            <a:pPr algn="ctr">
+              <a:buNone/>
+            </a:pPr>
+            <a:r>
+              <a:rPr lang="zh-TW" altLang="en-US" sz="6400" b="1" dirty="0">
+                <a:solidFill>
+                  <a:srgbClr val="660033"/>
+                </a:solidFill>
+                <a:latin typeface="微軟正黑體" pitchFamily="34" charset="-120"/>
+                <a:ea typeface="微軟正黑體" pitchFamily="34" charset="-120"/>
+              </a:rPr>
+              <a:t>我眾罪都洗清潔  惟靠耶穌寶血</a:t>
+            </a:r>
+            <a:endParaRPr lang="zh-TW" altLang="en-US" sz="6400" b="1" dirty="0">
+              <a:solidFill>
+                <a:srgbClr val="660033"/>
+              </a:solidFill>
+              <a:latin typeface="微軟正黑體" pitchFamily="34" charset="-120"/>
+              <a:ea typeface="微軟正黑體" pitchFamily="34" charset="-120"/>
+            </a:endParaRPr>
+          </a:p>
+        </p:txBody>
+      </p:sp>
+    </p:spTree>
+    <p:extLst>
+      <p:ext uri="{BB962C8B-B14F-4D97-AF65-F5344CB8AC3E}">
+        <p14:creationId xmlns:p14="http://schemas.microsoft.com/office/powerpoint/2010/main" val="204107674"/>
+      </p:ext>
+    </p:extLst>
+  </p:cSld>
+  <p:clrMapOvr>
+    <a:masterClrMapping/>
+  </p:clrMapOvr>
+  <p:timing>
+    <p:tnLst>
+      <p:par>
+        <p:cTn id="1" dur="indefinite" restart="never" nodeType="tmRoot"/>
+      </p:par>
+    </p:tnLst>
+  </p:timing>
 </p:sld>
 </file>
 

--- a/宣道詩/(宣道詩39)十字架十字架.pptx
+++ b/宣道詩/(宣道詩39)十字架十字架.pptx
@@ -313,7 +313,7 @@
             <a:fld id="{200A1BC4-8F0A-4BE9-BEFD-CD9EAFDB1D8C}" type="datetimeFigureOut">
               <a:rPr lang="zh-TW" altLang="en-US" smtClean="0"/>
               <a:pPr/>
-              <a:t>2021/3/19</a:t>
+              <a:t>2023/5/20</a:t>
             </a:fld>
             <a:endParaRPr lang="zh-TW" altLang="en-US"/>
           </a:p>
@@ -480,7 +480,7 @@
             <a:fld id="{200A1BC4-8F0A-4BE9-BEFD-CD9EAFDB1D8C}" type="datetimeFigureOut">
               <a:rPr lang="zh-TW" altLang="en-US" smtClean="0"/>
               <a:pPr/>
-              <a:t>2021/3/19</a:t>
+              <a:t>2023/5/20</a:t>
             </a:fld>
             <a:endParaRPr lang="zh-TW" altLang="en-US"/>
           </a:p>
@@ -657,7 +657,7 @@
             <a:fld id="{200A1BC4-8F0A-4BE9-BEFD-CD9EAFDB1D8C}" type="datetimeFigureOut">
               <a:rPr lang="zh-TW" altLang="en-US" smtClean="0"/>
               <a:pPr/>
-              <a:t>2021/3/19</a:t>
+              <a:t>2023/5/20</a:t>
             </a:fld>
             <a:endParaRPr lang="zh-TW" altLang="en-US"/>
           </a:p>
@@ -824,7 +824,7 @@
             <a:fld id="{200A1BC4-8F0A-4BE9-BEFD-CD9EAFDB1D8C}" type="datetimeFigureOut">
               <a:rPr lang="zh-TW" altLang="en-US" smtClean="0"/>
               <a:pPr/>
-              <a:t>2021/3/19</a:t>
+              <a:t>2023/5/20</a:t>
             </a:fld>
             <a:endParaRPr lang="zh-TW" altLang="en-US"/>
           </a:p>
@@ -1067,7 +1067,7 @@
             <a:fld id="{200A1BC4-8F0A-4BE9-BEFD-CD9EAFDB1D8C}" type="datetimeFigureOut">
               <a:rPr lang="zh-TW" altLang="en-US" smtClean="0"/>
               <a:pPr/>
-              <a:t>2021/3/19</a:t>
+              <a:t>2023/5/20</a:t>
             </a:fld>
             <a:endParaRPr lang="zh-TW" altLang="en-US"/>
           </a:p>
@@ -1352,7 +1352,7 @@
             <a:fld id="{200A1BC4-8F0A-4BE9-BEFD-CD9EAFDB1D8C}" type="datetimeFigureOut">
               <a:rPr lang="zh-TW" altLang="en-US" smtClean="0"/>
               <a:pPr/>
-              <a:t>2021/3/19</a:t>
+              <a:t>2023/5/20</a:t>
             </a:fld>
             <a:endParaRPr lang="zh-TW" altLang="en-US"/>
           </a:p>
@@ -1771,7 +1771,7 @@
             <a:fld id="{200A1BC4-8F0A-4BE9-BEFD-CD9EAFDB1D8C}" type="datetimeFigureOut">
               <a:rPr lang="zh-TW" altLang="en-US" smtClean="0"/>
               <a:pPr/>
-              <a:t>2021/3/19</a:t>
+              <a:t>2023/5/20</a:t>
             </a:fld>
             <a:endParaRPr lang="zh-TW" altLang="en-US"/>
           </a:p>
@@ -1886,7 +1886,7 @@
             <a:fld id="{200A1BC4-8F0A-4BE9-BEFD-CD9EAFDB1D8C}" type="datetimeFigureOut">
               <a:rPr lang="zh-TW" altLang="en-US" smtClean="0"/>
               <a:pPr/>
-              <a:t>2021/3/19</a:t>
+              <a:t>2023/5/20</a:t>
             </a:fld>
             <a:endParaRPr lang="zh-TW" altLang="en-US"/>
           </a:p>
@@ -1978,7 +1978,7 @@
             <a:fld id="{200A1BC4-8F0A-4BE9-BEFD-CD9EAFDB1D8C}" type="datetimeFigureOut">
               <a:rPr lang="zh-TW" altLang="en-US" smtClean="0"/>
               <a:pPr/>
-              <a:t>2021/3/19</a:t>
+              <a:t>2023/5/20</a:t>
             </a:fld>
             <a:endParaRPr lang="zh-TW" altLang="en-US"/>
           </a:p>
@@ -2252,7 +2252,7 @@
             <a:fld id="{200A1BC4-8F0A-4BE9-BEFD-CD9EAFDB1D8C}" type="datetimeFigureOut">
               <a:rPr lang="zh-TW" altLang="en-US" smtClean="0"/>
               <a:pPr/>
-              <a:t>2021/3/19</a:t>
+              <a:t>2023/5/20</a:t>
             </a:fld>
             <a:endParaRPr lang="zh-TW" altLang="en-US"/>
           </a:p>
@@ -2506,7 +2506,7 @@
             <a:fld id="{200A1BC4-8F0A-4BE9-BEFD-CD9EAFDB1D8C}" type="datetimeFigureOut">
               <a:rPr lang="zh-TW" altLang="en-US" smtClean="0"/>
               <a:pPr/>
-              <a:t>2021/3/19</a:t>
+              <a:t>2023/5/20</a:t>
             </a:fld>
             <a:endParaRPr lang="zh-TW" altLang="en-US"/>
           </a:p>
@@ -2721,7 +2721,7 @@
             <a:fld id="{200A1BC4-8F0A-4BE9-BEFD-CD9EAFDB1D8C}" type="datetimeFigureOut">
               <a:rPr lang="zh-TW" altLang="en-US" smtClean="0"/>
               <a:pPr/>
-              <a:t>2021/3/19</a:t>
+              <a:t>2023/5/20</a:t>
             </a:fld>
             <a:endParaRPr lang="zh-TW" altLang="en-US"/>
           </a:p>
@@ -3196,24 +3196,7 @@
                 <a:latin typeface="微軟正黑體" pitchFamily="34" charset="-120"/>
                 <a:ea typeface="微軟正黑體" pitchFamily="34" charset="-120"/>
               </a:rPr>
-              <a:t>十</a:t>
-            </a:r>
-            <a:r>
-              <a:rPr lang="zh-TW" altLang="en-US" sz="8000" b="1" dirty="0">
-                <a:solidFill>
-                  <a:srgbClr val="660033"/>
-                </a:solidFill>
-                <a:effectLst>
-                  <a:outerShdw blurRad="38100" dist="38100" dir="2700000" algn="tl">
-                    <a:srgbClr val="000000">
-                      <a:alpha val="43137"/>
-                    </a:srgbClr>
-                  </a:outerShdw>
-                </a:effectLst>
-                <a:latin typeface="微軟正黑體" pitchFamily="34" charset="-120"/>
-                <a:ea typeface="微軟正黑體" pitchFamily="34" charset="-120"/>
-              </a:rPr>
-              <a:t>字架十字架</a:t>
+              <a:t>十字架十字架</a:t>
             </a:r>
           </a:p>
         </p:txBody>
@@ -3324,7 +3307,7 @@
         <p:spPr>
           <a:xfrm>
             <a:off x="0" y="5157193"/>
-            <a:ext cx="12192000" cy="830997"/>
+            <a:ext cx="12192000" cy="707886"/>
           </a:xfrm>
           <a:prstGeom prst="rect">
             <a:avLst/>
@@ -3339,14 +3322,30 @@
           <a:p>
             <a:pPr algn="ctr"/>
             <a:r>
-              <a:rPr lang="en-US" sz="4800" b="1" dirty="0">
+              <a:rPr lang="en-US" sz="4000" b="1" dirty="0">
                 <a:solidFill>
                   <a:srgbClr val="660033"/>
                 </a:solidFill>
               </a:rPr>
-              <a:t>( 1 )</a:t>
-            </a:r>
-            <a:endParaRPr lang="vi-VN" sz="4800" b="1" dirty="0">
+              <a:t>( </a:t>
+            </a:r>
+            <a:r>
+              <a:rPr lang="en-US" sz="4000" b="1" dirty="0" smtClean="0">
+                <a:solidFill>
+                  <a:srgbClr val="660033"/>
+                </a:solidFill>
+              </a:rPr>
+              <a:t>1 / 4 </a:t>
+            </a:r>
+            <a:r>
+              <a:rPr lang="en-US" sz="4000" b="1" dirty="0">
+                <a:solidFill>
+                  <a:srgbClr val="660033"/>
+                </a:solidFill>
+              </a:rPr>
+              <a:t>)</a:t>
+            </a:r>
+            <a:endParaRPr lang="vi-VN" sz="4000" b="1" dirty="0">
               <a:solidFill>
                 <a:srgbClr val="660033"/>
               </a:solidFill>
@@ -3441,13 +3440,6 @@
               </a:rPr>
               <a:t>我眾罪都洗清潔  惟靠耶穌寶血</a:t>
             </a:r>
-            <a:endParaRPr lang="zh-TW" altLang="en-US" sz="6400" b="1" dirty="0">
-              <a:solidFill>
-                <a:srgbClr val="660033"/>
-              </a:solidFill>
-              <a:latin typeface="微軟正黑體" pitchFamily="34" charset="-120"/>
-              <a:ea typeface="微軟正黑體" pitchFamily="34" charset="-120"/>
-            </a:endParaRPr>
           </a:p>
         </p:txBody>
       </p:sp>
@@ -3538,13 +3530,6 @@
               </a:rPr>
               <a:t>今主因信住我心  不再是我活著</a:t>
             </a:r>
-            <a:endParaRPr lang="zh-TW" altLang="en-US" sz="6400" b="1" dirty="0">
-              <a:solidFill>
-                <a:srgbClr val="660033"/>
-              </a:solidFill>
-              <a:latin typeface="微軟正黑體" pitchFamily="34" charset="-120"/>
-              <a:ea typeface="微軟正黑體" pitchFamily="34" charset="-120"/>
-            </a:endParaRPr>
           </a:p>
         </p:txBody>
       </p:sp>
@@ -3557,7 +3542,7 @@
         <p:spPr>
           <a:xfrm>
             <a:off x="0" y="5157193"/>
-            <a:ext cx="12192000" cy="830997"/>
+            <a:ext cx="12192000" cy="707886"/>
           </a:xfrm>
           <a:prstGeom prst="rect">
             <a:avLst/>
@@ -3572,14 +3557,30 @@
           <a:p>
             <a:pPr algn="ctr"/>
             <a:r>
-              <a:rPr lang="en-US" sz="4800" b="1" dirty="0">
+              <a:rPr lang="en-US" sz="4000" b="1" dirty="0">
                 <a:solidFill>
                   <a:srgbClr val="660033"/>
                 </a:solidFill>
               </a:rPr>
-              <a:t>( 2 )</a:t>
-            </a:r>
-            <a:endParaRPr lang="vi-VN" sz="4800" b="1" dirty="0">
+              <a:t>( </a:t>
+            </a:r>
+            <a:r>
+              <a:rPr lang="en-US" sz="4000" b="1" dirty="0">
+                <a:solidFill>
+                  <a:srgbClr val="660033"/>
+                </a:solidFill>
+              </a:rPr>
+              <a:t>2 </a:t>
+            </a:r>
+            <a:r>
+              <a:rPr lang="en-US" sz="4000" b="1" dirty="0">
+                <a:solidFill>
+                  <a:srgbClr val="660033"/>
+                </a:solidFill>
+              </a:rPr>
+              <a:t>/ 4 )</a:t>
+            </a:r>
+            <a:endParaRPr lang="vi-VN" sz="4000" b="1" dirty="0">
               <a:solidFill>
                 <a:srgbClr val="660033"/>
               </a:solidFill>
@@ -3674,13 +3675,6 @@
               </a:rPr>
               <a:t>我眾罪都洗清潔  惟靠耶穌寶血</a:t>
             </a:r>
-            <a:endParaRPr lang="zh-TW" altLang="en-US" sz="6400" b="1" dirty="0">
-              <a:solidFill>
-                <a:srgbClr val="660033"/>
-              </a:solidFill>
-              <a:latin typeface="微軟正黑體" pitchFamily="34" charset="-120"/>
-              <a:ea typeface="微軟正黑體" pitchFamily="34" charset="-120"/>
-            </a:endParaRPr>
           </a:p>
         </p:txBody>
       </p:sp>
@@ -3791,13 +3785,6 @@
               </a:rPr>
               <a:t>並祂為我釘十架  死後三日復活</a:t>
             </a:r>
-            <a:endParaRPr lang="zh-TW" altLang="en-US" sz="6400" b="1" dirty="0">
-              <a:solidFill>
-                <a:srgbClr val="660033"/>
-              </a:solidFill>
-              <a:latin typeface="微軟正黑體" pitchFamily="34" charset="-120"/>
-              <a:ea typeface="微軟正黑體" pitchFamily="34" charset="-120"/>
-            </a:endParaRPr>
           </a:p>
         </p:txBody>
       </p:sp>
@@ -3810,7 +3797,7 @@
         <p:spPr>
           <a:xfrm>
             <a:off x="0" y="5157193"/>
-            <a:ext cx="12192000" cy="830997"/>
+            <a:ext cx="12192000" cy="707886"/>
           </a:xfrm>
           <a:prstGeom prst="rect">
             <a:avLst/>
@@ -3825,14 +3812,30 @@
           <a:p>
             <a:pPr algn="ctr"/>
             <a:r>
-              <a:rPr lang="en-US" sz="4800" b="1" dirty="0">
+              <a:rPr lang="en-US" sz="4000" b="1" dirty="0">
                 <a:solidFill>
                   <a:srgbClr val="660033"/>
                 </a:solidFill>
               </a:rPr>
-              <a:t>( 3 )</a:t>
-            </a:r>
-            <a:endParaRPr lang="vi-VN" sz="4800" b="1" dirty="0">
+              <a:t>( </a:t>
+            </a:r>
+            <a:r>
+              <a:rPr lang="en-US" sz="4000" b="1" dirty="0">
+                <a:solidFill>
+                  <a:srgbClr val="660033"/>
+                </a:solidFill>
+              </a:rPr>
+              <a:t>3 </a:t>
+            </a:r>
+            <a:r>
+              <a:rPr lang="en-US" sz="4000" b="1" dirty="0">
+                <a:solidFill>
+                  <a:srgbClr val="660033"/>
+                </a:solidFill>
+              </a:rPr>
+              <a:t>/ 4 )</a:t>
+            </a:r>
+            <a:endParaRPr lang="vi-VN" sz="4000" b="1" dirty="0">
               <a:solidFill>
                 <a:srgbClr val="660033"/>
               </a:solidFill>
@@ -3927,13 +3930,6 @@
               </a:rPr>
               <a:t>我眾罪都洗清潔  惟靠耶穌寶血</a:t>
             </a:r>
-            <a:endParaRPr lang="zh-TW" altLang="en-US" sz="6400" b="1" dirty="0">
-              <a:solidFill>
-                <a:srgbClr val="660033"/>
-              </a:solidFill>
-              <a:latin typeface="微軟正黑體" pitchFamily="34" charset="-120"/>
-              <a:ea typeface="微軟正黑體" pitchFamily="34" charset="-120"/>
-            </a:endParaRPr>
           </a:p>
         </p:txBody>
       </p:sp>
@@ -4024,13 +4020,6 @@
               </a:rPr>
               <a:t>世界對我已釘死  我以死對世界</a:t>
             </a:r>
-            <a:endParaRPr lang="zh-TW" altLang="en-US" sz="6400" b="1" dirty="0">
-              <a:solidFill>
-                <a:srgbClr val="660033"/>
-              </a:solidFill>
-              <a:latin typeface="微軟正黑體" pitchFamily="34" charset="-120"/>
-              <a:ea typeface="微軟正黑體" pitchFamily="34" charset="-120"/>
-            </a:endParaRPr>
           </a:p>
         </p:txBody>
       </p:sp>
@@ -4043,7 +4032,7 @@
         <p:spPr>
           <a:xfrm>
             <a:off x="0" y="5157193"/>
-            <a:ext cx="12192000" cy="830997"/>
+            <a:ext cx="12192000" cy="707886"/>
           </a:xfrm>
           <a:prstGeom prst="rect">
             <a:avLst/>
@@ -4058,14 +4047,30 @@
           <a:p>
             <a:pPr algn="ctr"/>
             <a:r>
-              <a:rPr lang="en-US" sz="4800" b="1" dirty="0">
+              <a:rPr lang="en-US" sz="4000" b="1" dirty="0">
                 <a:solidFill>
                   <a:srgbClr val="660033"/>
                 </a:solidFill>
               </a:rPr>
-              <a:t>( 4 )</a:t>
-            </a:r>
-            <a:endParaRPr lang="vi-VN" sz="4800" b="1" dirty="0">
+              <a:t>( </a:t>
+            </a:r>
+            <a:r>
+              <a:rPr lang="en-US" sz="4000" b="1" dirty="0">
+                <a:solidFill>
+                  <a:srgbClr val="660033"/>
+                </a:solidFill>
+              </a:rPr>
+              <a:t>4 </a:t>
+            </a:r>
+            <a:r>
+              <a:rPr lang="en-US" sz="4000" b="1" dirty="0">
+                <a:solidFill>
+                  <a:srgbClr val="660033"/>
+                </a:solidFill>
+              </a:rPr>
+              <a:t>/ 4 )</a:t>
+            </a:r>
+            <a:endParaRPr lang="vi-VN" sz="4000" b="1" dirty="0">
               <a:solidFill>
                 <a:srgbClr val="660033"/>
               </a:solidFill>
@@ -4160,13 +4165,6 @@
               </a:rPr>
               <a:t>我眾罪都洗清潔  惟靠耶穌寶血</a:t>
             </a:r>
-            <a:endParaRPr lang="zh-TW" altLang="en-US" sz="6400" b="1" dirty="0">
-              <a:solidFill>
-                <a:srgbClr val="660033"/>
-              </a:solidFill>
-              <a:latin typeface="微軟正黑體" pitchFamily="34" charset="-120"/>
-              <a:ea typeface="微軟正黑體" pitchFamily="34" charset="-120"/>
-            </a:endParaRPr>
           </a:p>
         </p:txBody>
       </p:sp>
